--- a/VPC2 TP Integrador.pptx
+++ b/VPC2 TP Integrador.pptx
@@ -14255,18 +14255,24 @@
           </a:p>
         </p:txBody>
       </p:sp>
-      <p:sp>
-        <p:nvSpPr>
+      <p:pic>
+        <p:nvPicPr>
           <p:cNvPr id="217" name="Google Shape;217;p40"/>
-          <p:cNvSpPr txBox="1"/>
-          <p:nvPr>
-            <p:ph idx="1" type="body"/>
-          </p:nvPr>
-        </p:nvSpPr>
+          <p:cNvPicPr preferRelativeResize="0"/>
+          <p:nvPr/>
+        </p:nvPicPr>
+        <p:blipFill>
+          <a:blip r:embed="rId3">
+            <a:alphaModFix/>
+          </a:blip>
+          <a:stretch>
+            <a:fillRect/>
+          </a:stretch>
+        </p:blipFill>
         <p:spPr>
           <a:xfrm>
-            <a:off x="729450" y="1367000"/>
-            <a:ext cx="7688700" cy="3318300"/>
+            <a:off x="680663" y="1244250"/>
+            <a:ext cx="7782672" cy="3746850"/>
           </a:xfrm>
           <a:prstGeom prst="rect">
             <a:avLst/>
@@ -14276,91 +14282,7 @@
             <a:noFill/>
           </a:ln>
         </p:spPr>
-        <p:txBody>
-          <a:bodyPr anchorCtr="0" anchor="t" bIns="91425" lIns="91425" spcFirstLastPara="1" rIns="91425" wrap="square" tIns="91425">
-            <a:noAutofit/>
-          </a:bodyPr>
-          <a:lstStyle/>
-          <a:p>
-            <a:pPr indent="-342900" lvl="0" marL="457200" rtl="0" algn="l">
-              <a:spcBef>
-                <a:spcPts val="0"/>
-              </a:spcBef>
-              <a:spcAft>
-                <a:spcPts val="0"/>
-              </a:spcAft>
-              <a:buSzPts val="1800"/>
-              <a:buFont typeface="Montserrat"/>
-              <a:buChar char="●"/>
-            </a:pPr>
-            <a:r>
-              <a:rPr lang="en">
-                <a:latin typeface="Montserrat"/>
-                <a:ea typeface="Montserrat"/>
-                <a:cs typeface="Montserrat"/>
-                <a:sym typeface="Montserrat"/>
-              </a:rPr>
-              <a:t>Gráficas de resultados y sus comparaciones.</a:t>
-            </a:r>
-            <a:endParaRPr>
-              <a:latin typeface="Montserrat"/>
-              <a:ea typeface="Montserrat"/>
-              <a:cs typeface="Montserrat"/>
-              <a:sym typeface="Montserrat"/>
-            </a:endParaRPr>
-          </a:p>
-          <a:p>
-            <a:pPr indent="0" lvl="0" marL="0" rtl="0" algn="l">
-              <a:spcBef>
-                <a:spcPts val="0"/>
-              </a:spcBef>
-              <a:spcAft>
-                <a:spcPts val="0"/>
-              </a:spcAft>
-              <a:buNone/>
-            </a:pPr>
-            <a:r>
-              <a:rPr lang="en">
-                <a:latin typeface="Montserrat"/>
-                <a:ea typeface="Montserrat"/>
-                <a:cs typeface="Montserrat"/>
-                <a:sym typeface="Montserrat"/>
-              </a:rPr>
-              <a:t>.</a:t>
-            </a:r>
-            <a:endParaRPr sz="1485">
-              <a:latin typeface="Montserrat"/>
-              <a:ea typeface="Montserrat"/>
-              <a:cs typeface="Montserrat"/>
-              <a:sym typeface="Montserrat"/>
-            </a:endParaRPr>
-          </a:p>
-          <a:p>
-            <a:pPr indent="0" lvl="0" marL="0" rtl="0" algn="l">
-              <a:lnSpc>
-                <a:spcPct val="100000"/>
-              </a:lnSpc>
-              <a:spcBef>
-                <a:spcPts val="1200"/>
-              </a:spcBef>
-              <a:spcAft>
-                <a:spcPts val="1200"/>
-              </a:spcAft>
-              <a:buSzPts val="423"/>
-              <a:buNone/>
-            </a:pPr>
-            <a:r>
-              <a:t/>
-            </a:r>
-            <a:endParaRPr b="1" sz="1485">
-              <a:latin typeface="Montserrat"/>
-              <a:ea typeface="Montserrat"/>
-              <a:cs typeface="Montserrat"/>
-              <a:sym typeface="Montserrat"/>
-            </a:endParaRPr>
-          </a:p>
-        </p:txBody>
-      </p:sp>
+      </p:pic>
     </p:spTree>
   </p:cSld>
   <p:clrMapOvr>

--- a/VPC2 TP Integrador.pptx
+++ b/VPC2 TP Integrador.pptx
@@ -1239,7 +1239,7 @@
       </p:grpSpPr>
       <p:sp>
         <p:nvSpPr>
-          <p:cNvPr id="129" name="Google Shape;129;g363e9a95540_0_116:notes"/>
+          <p:cNvPr id="129" name="Google Shape;129;g363e9a95540_0_72:notes"/>
           <p:cNvSpPr/>
           <p:nvPr>
             <p:ph idx="2" type="sldImg"/>
@@ -1274,7 +1274,7 @@
       </p:sp>
       <p:sp>
         <p:nvSpPr>
-          <p:cNvPr id="130" name="Google Shape;130;g363e9a95540_0_116:notes"/>
+          <p:cNvPr id="130" name="Google Shape;130;g363e9a95540_0_72:notes"/>
           <p:cNvSpPr txBox="1"/>
           <p:nvPr>
             <p:ph idx="1" type="body"/>
@@ -1324,7 +1324,7 @@
   <p:cSld>
     <p:spTree>
       <p:nvGrpSpPr>
-        <p:cNvPr id="134" name="Shape 134"/>
+        <p:cNvPr id="133" name="Shape 133"/>
         <p:cNvGrpSpPr/>
         <p:nvPr/>
       </p:nvGrpSpPr>
@@ -1338,7 +1338,7 @@
       </p:grpSpPr>
       <p:sp>
         <p:nvSpPr>
-          <p:cNvPr id="135" name="Google Shape;135;g363e9a95540_0_72:notes"/>
+          <p:cNvPr id="134" name="Google Shape;134;g363e9a95540_0_11:notes"/>
           <p:cNvSpPr/>
           <p:nvPr>
             <p:ph idx="2" type="sldImg"/>
@@ -1373,7 +1373,7 @@
       </p:sp>
       <p:sp>
         <p:nvSpPr>
-          <p:cNvPr id="136" name="Google Shape;136;g363e9a95540_0_72:notes"/>
+          <p:cNvPr id="135" name="Google Shape;135;g363e9a95540_0_11:notes"/>
           <p:cNvSpPr txBox="1"/>
           <p:nvPr>
             <p:ph idx="1" type="body"/>
@@ -1423,7 +1423,7 @@
   <p:cSld>
     <p:spTree>
       <p:nvGrpSpPr>
-        <p:cNvPr id="139" name="Shape 139"/>
+        <p:cNvPr id="141" name="Shape 141"/>
         <p:cNvGrpSpPr/>
         <p:nvPr/>
       </p:nvGrpSpPr>
@@ -1437,7 +1437,7 @@
       </p:grpSpPr>
       <p:sp>
         <p:nvSpPr>
-          <p:cNvPr id="140" name="Google Shape;140;g363e9a95540_0_11:notes"/>
+          <p:cNvPr id="142" name="Google Shape;142;g363ee74573d_0_14:notes"/>
           <p:cNvSpPr/>
           <p:nvPr>
             <p:ph idx="2" type="sldImg"/>
@@ -1472,7 +1472,7 @@
       </p:sp>
       <p:sp>
         <p:nvSpPr>
-          <p:cNvPr id="141" name="Google Shape;141;g363e9a95540_0_11:notes"/>
+          <p:cNvPr id="143" name="Google Shape;143;g363ee74573d_0_14:notes"/>
           <p:cNvSpPr txBox="1"/>
           <p:nvPr>
             <p:ph idx="1" type="body"/>
@@ -1522,7 +1522,7 @@
   <p:cSld>
     <p:spTree>
       <p:nvGrpSpPr>
-        <p:cNvPr id="147" name="Shape 147"/>
+        <p:cNvPr id="148" name="Shape 148"/>
         <p:cNvGrpSpPr/>
         <p:nvPr/>
       </p:nvGrpSpPr>
@@ -1536,7 +1536,7 @@
       </p:grpSpPr>
       <p:sp>
         <p:nvSpPr>
-          <p:cNvPr id="148" name="Google Shape;148;g363ee74573d_0_14:notes"/>
+          <p:cNvPr id="149" name="Google Shape;149;g363ee74573d_0_65:notes"/>
           <p:cNvSpPr/>
           <p:nvPr>
             <p:ph idx="2" type="sldImg"/>
@@ -1571,7 +1571,7 @@
       </p:sp>
       <p:sp>
         <p:nvSpPr>
-          <p:cNvPr id="149" name="Google Shape;149;g363ee74573d_0_14:notes"/>
+          <p:cNvPr id="150" name="Google Shape;150;g363ee74573d_0_65:notes"/>
           <p:cNvSpPr txBox="1"/>
           <p:nvPr>
             <p:ph idx="1" type="body"/>
@@ -1621,7 +1621,7 @@
   <p:cSld>
     <p:spTree>
       <p:nvGrpSpPr>
-        <p:cNvPr id="154" name="Shape 154"/>
+        <p:cNvPr id="153" name="Shape 153"/>
         <p:cNvGrpSpPr/>
         <p:nvPr/>
       </p:nvGrpSpPr>
@@ -1635,7 +1635,7 @@
       </p:grpSpPr>
       <p:sp>
         <p:nvSpPr>
-          <p:cNvPr id="155" name="Google Shape;155;g363ee74573d_0_65:notes"/>
+          <p:cNvPr id="154" name="Google Shape;154;g37566553b69_0_0:notes"/>
           <p:cNvSpPr/>
           <p:nvPr>
             <p:ph idx="2" type="sldImg"/>
@@ -1670,7 +1670,7 @@
       </p:sp>
       <p:sp>
         <p:nvSpPr>
-          <p:cNvPr id="156" name="Google Shape;156;g363ee74573d_0_65:notes"/>
+          <p:cNvPr id="155" name="Google Shape;155;g37566553b69_0_0:notes"/>
           <p:cNvSpPr txBox="1"/>
           <p:nvPr>
             <p:ph idx="1" type="body"/>
@@ -1720,7 +1720,7 @@
   <p:cSld>
     <p:spTree>
       <p:nvGrpSpPr>
-        <p:cNvPr id="159" name="Shape 159"/>
+        <p:cNvPr id="158" name="Shape 158"/>
         <p:cNvGrpSpPr/>
         <p:nvPr/>
       </p:nvGrpSpPr>
@@ -1734,7 +1734,7 @@
       </p:grpSpPr>
       <p:sp>
         <p:nvSpPr>
-          <p:cNvPr id="160" name="Google Shape;160;g363e9a95540_0_101:notes"/>
+          <p:cNvPr id="159" name="Google Shape;159;g363e9a95540_0_101:notes"/>
           <p:cNvSpPr/>
           <p:nvPr>
             <p:ph idx="2" type="sldImg"/>
@@ -1769,7 +1769,7 @@
       </p:sp>
       <p:sp>
         <p:nvSpPr>
-          <p:cNvPr id="161" name="Google Shape;161;g363e9a95540_0_101:notes"/>
+          <p:cNvPr id="160" name="Google Shape;160;g363e9a95540_0_101:notes"/>
           <p:cNvSpPr txBox="1"/>
           <p:nvPr>
             <p:ph idx="1" type="body"/>
@@ -1918,7 +1918,7 @@
   <p:cSld>
     <p:spTree>
       <p:nvGrpSpPr>
-        <p:cNvPr id="165" name="Shape 165"/>
+        <p:cNvPr id="164" name="Shape 164"/>
         <p:cNvGrpSpPr/>
         <p:nvPr/>
       </p:nvGrpSpPr>
@@ -1932,7 +1932,7 @@
       </p:grpSpPr>
       <p:sp>
         <p:nvSpPr>
-          <p:cNvPr id="166" name="Google Shape;166;g363ee74573d_0_21:notes"/>
+          <p:cNvPr id="165" name="Google Shape;165;g363ee74573d_0_21:notes"/>
           <p:cNvSpPr/>
           <p:nvPr>
             <p:ph idx="2" type="sldImg"/>
@@ -1967,7 +1967,7 @@
       </p:sp>
       <p:sp>
         <p:nvSpPr>
-          <p:cNvPr id="167" name="Google Shape;167;g363ee74573d_0_21:notes"/>
+          <p:cNvPr id="166" name="Google Shape;166;g363ee74573d_0_21:notes"/>
           <p:cNvSpPr txBox="1"/>
           <p:nvPr>
             <p:ph idx="1" type="body"/>
@@ -2017,7 +2017,7 @@
   <p:cSld>
     <p:spTree>
       <p:nvGrpSpPr>
-        <p:cNvPr id="171" name="Shape 171"/>
+        <p:cNvPr id="170" name="Shape 170"/>
         <p:cNvGrpSpPr/>
         <p:nvPr/>
       </p:nvGrpSpPr>
@@ -2031,7 +2031,7 @@
       </p:grpSpPr>
       <p:sp>
         <p:nvSpPr>
-          <p:cNvPr id="172" name="Google Shape;172;g363ee74573d_0_27:notes"/>
+          <p:cNvPr id="171" name="Google Shape;171;g363ee74573d_0_27:notes"/>
           <p:cNvSpPr/>
           <p:nvPr>
             <p:ph idx="2" type="sldImg"/>
@@ -2066,7 +2066,7 @@
       </p:sp>
       <p:sp>
         <p:nvSpPr>
-          <p:cNvPr id="173" name="Google Shape;173;g363ee74573d_0_27:notes"/>
+          <p:cNvPr id="172" name="Google Shape;172;g363ee74573d_0_27:notes"/>
           <p:cNvSpPr txBox="1"/>
           <p:nvPr>
             <p:ph idx="1" type="body"/>
@@ -2116,7 +2116,7 @@
   <p:cSld>
     <p:spTree>
       <p:nvGrpSpPr>
-        <p:cNvPr id="177" name="Shape 177"/>
+        <p:cNvPr id="176" name="Shape 176"/>
         <p:cNvGrpSpPr/>
         <p:nvPr/>
       </p:nvGrpSpPr>
@@ -2130,7 +2130,7 @@
       </p:grpSpPr>
       <p:sp>
         <p:nvSpPr>
-          <p:cNvPr id="178" name="Google Shape;178;g363ee74573d_0_59:notes"/>
+          <p:cNvPr id="177" name="Google Shape;177;g363ee74573d_0_59:notes"/>
           <p:cNvSpPr/>
           <p:nvPr>
             <p:ph idx="2" type="sldImg"/>
@@ -2165,7 +2165,7 @@
       </p:sp>
       <p:sp>
         <p:nvSpPr>
-          <p:cNvPr id="179" name="Google Shape;179;g363ee74573d_0_59:notes"/>
+          <p:cNvPr id="178" name="Google Shape;178;g363ee74573d_0_59:notes"/>
           <p:cNvSpPr txBox="1"/>
           <p:nvPr>
             <p:ph idx="1" type="body"/>
@@ -2215,7 +2215,7 @@
   <p:cSld>
     <p:spTree>
       <p:nvGrpSpPr>
-        <p:cNvPr id="183" name="Shape 183"/>
+        <p:cNvPr id="182" name="Shape 182"/>
         <p:cNvGrpSpPr/>
         <p:nvPr/>
       </p:nvGrpSpPr>
@@ -2229,7 +2229,7 @@
       </p:grpSpPr>
       <p:sp>
         <p:nvSpPr>
-          <p:cNvPr id="184" name="Google Shape;184;g363ee74573d_0_69:notes"/>
+          <p:cNvPr id="183" name="Google Shape;183;g363ee74573d_0_69:notes"/>
           <p:cNvSpPr/>
           <p:nvPr>
             <p:ph idx="2" type="sldImg"/>
@@ -2264,7 +2264,7 @@
       </p:sp>
       <p:sp>
         <p:nvSpPr>
-          <p:cNvPr id="185" name="Google Shape;185;g363ee74573d_0_69:notes"/>
+          <p:cNvPr id="184" name="Google Shape;184;g363ee74573d_0_69:notes"/>
           <p:cNvSpPr txBox="1"/>
           <p:nvPr>
             <p:ph idx="1" type="body"/>
@@ -2314,7 +2314,7 @@
   <p:cSld>
     <p:spTree>
       <p:nvGrpSpPr>
-        <p:cNvPr id="188" name="Shape 188"/>
+        <p:cNvPr id="187" name="Shape 187"/>
         <p:cNvGrpSpPr/>
         <p:nvPr/>
       </p:nvGrpSpPr>
@@ -2328,7 +2328,7 @@
       </p:grpSpPr>
       <p:sp>
         <p:nvSpPr>
-          <p:cNvPr id="189" name="Google Shape;189;g363ee74573d_0_8:notes"/>
+          <p:cNvPr id="188" name="Google Shape;188;g363ee74573d_0_8:notes"/>
           <p:cNvSpPr/>
           <p:nvPr>
             <p:ph idx="2" type="sldImg"/>
@@ -2363,7 +2363,7 @@
       </p:sp>
       <p:sp>
         <p:nvSpPr>
-          <p:cNvPr id="190" name="Google Shape;190;g363ee74573d_0_8:notes"/>
+          <p:cNvPr id="189" name="Google Shape;189;g363ee74573d_0_8:notes"/>
           <p:cNvSpPr txBox="1"/>
           <p:nvPr>
             <p:ph idx="1" type="body"/>
@@ -2413,7 +2413,7 @@
   <p:cSld>
     <p:spTree>
       <p:nvGrpSpPr>
-        <p:cNvPr id="194" name="Shape 194"/>
+        <p:cNvPr id="193" name="Shape 193"/>
         <p:cNvGrpSpPr/>
         <p:nvPr/>
       </p:nvGrpSpPr>
@@ -2427,7 +2427,7 @@
       </p:grpSpPr>
       <p:sp>
         <p:nvSpPr>
-          <p:cNvPr id="195" name="Google Shape;195;g363ee74573d_0_73:notes"/>
+          <p:cNvPr id="194" name="Google Shape;194;g363ee74573d_0_73:notes"/>
           <p:cNvSpPr/>
           <p:nvPr>
             <p:ph idx="2" type="sldImg"/>
@@ -2462,7 +2462,7 @@
       </p:sp>
       <p:sp>
         <p:nvSpPr>
-          <p:cNvPr id="196" name="Google Shape;196;g363ee74573d_0_73:notes"/>
+          <p:cNvPr id="195" name="Google Shape;195;g363ee74573d_0_73:notes"/>
           <p:cNvSpPr txBox="1"/>
           <p:nvPr>
             <p:ph idx="1" type="body"/>
@@ -2512,7 +2512,7 @@
   <p:cSld>
     <p:spTree>
       <p:nvGrpSpPr>
-        <p:cNvPr id="200" name="Shape 200"/>
+        <p:cNvPr id="199" name="Shape 199"/>
         <p:cNvGrpSpPr/>
         <p:nvPr/>
       </p:nvGrpSpPr>
@@ -2526,7 +2526,7 @@
       </p:grpSpPr>
       <p:sp>
         <p:nvSpPr>
-          <p:cNvPr id="201" name="Google Shape;201;g363ee74573d_0_34:notes"/>
+          <p:cNvPr id="200" name="Google Shape;200;g363ee74573d_0_34:notes"/>
           <p:cNvSpPr/>
           <p:nvPr>
             <p:ph idx="2" type="sldImg"/>
@@ -2561,7 +2561,7 @@
       </p:sp>
       <p:sp>
         <p:nvSpPr>
-          <p:cNvPr id="202" name="Google Shape;202;g363ee74573d_0_34:notes"/>
+          <p:cNvPr id="201" name="Google Shape;201;g363ee74573d_0_34:notes"/>
           <p:cNvSpPr txBox="1"/>
           <p:nvPr>
             <p:ph idx="1" type="body"/>
@@ -2611,7 +2611,7 @@
   <p:cSld>
     <p:spTree>
       <p:nvGrpSpPr>
-        <p:cNvPr id="206" name="Shape 206"/>
+        <p:cNvPr id="205" name="Shape 205"/>
         <p:cNvGrpSpPr/>
         <p:nvPr/>
       </p:nvGrpSpPr>
@@ -2625,7 +2625,7 @@
       </p:grpSpPr>
       <p:sp>
         <p:nvSpPr>
-          <p:cNvPr id="207" name="Google Shape;207;g363ee74573d_0_40:notes"/>
+          <p:cNvPr id="206" name="Google Shape;206;g363ee74573d_0_40:notes"/>
           <p:cNvSpPr/>
           <p:nvPr>
             <p:ph idx="2" type="sldImg"/>
@@ -2660,7 +2660,7 @@
       </p:sp>
       <p:sp>
         <p:nvSpPr>
-          <p:cNvPr id="208" name="Google Shape;208;g363ee74573d_0_40:notes"/>
+          <p:cNvPr id="207" name="Google Shape;207;g363ee74573d_0_40:notes"/>
           <p:cNvSpPr txBox="1"/>
           <p:nvPr>
             <p:ph idx="1" type="body"/>
@@ -2710,7 +2710,7 @@
   <p:cSld>
     <p:spTree>
       <p:nvGrpSpPr>
-        <p:cNvPr id="212" name="Shape 212"/>
+        <p:cNvPr id="211" name="Shape 211"/>
         <p:cNvGrpSpPr/>
         <p:nvPr/>
       </p:nvGrpSpPr>
@@ -2724,7 +2724,7 @@
       </p:grpSpPr>
       <p:sp>
         <p:nvSpPr>
-          <p:cNvPr id="213" name="Google Shape;213;g363e9a95540_0_106:notes"/>
+          <p:cNvPr id="212" name="Google Shape;212;g363e9a95540_0_106:notes"/>
           <p:cNvSpPr/>
           <p:nvPr>
             <p:ph idx="2" type="sldImg"/>
@@ -2759,7 +2759,7 @@
       </p:sp>
       <p:sp>
         <p:nvSpPr>
-          <p:cNvPr id="214" name="Google Shape;214;g363e9a95540_0_106:notes"/>
+          <p:cNvPr id="213" name="Google Shape;213;g363e9a95540_0_106:notes"/>
           <p:cNvSpPr txBox="1"/>
           <p:nvPr>
             <p:ph idx="1" type="body"/>
@@ -2809,7 +2809,7 @@
   <p:cSld>
     <p:spTree>
       <p:nvGrpSpPr>
-        <p:cNvPr id="218" name="Shape 218"/>
+        <p:cNvPr id="217" name="Shape 217"/>
         <p:cNvGrpSpPr/>
         <p:nvPr/>
       </p:nvGrpSpPr>
@@ -2823,7 +2823,7 @@
       </p:grpSpPr>
       <p:sp>
         <p:nvSpPr>
-          <p:cNvPr id="219" name="Google Shape;219;g363ee74573d_0_53:notes"/>
+          <p:cNvPr id="218" name="Google Shape;218;g363ee74573d_0_53:notes"/>
           <p:cNvSpPr/>
           <p:nvPr>
             <p:ph idx="2" type="sldImg"/>
@@ -2858,7 +2858,7 @@
       </p:sp>
       <p:sp>
         <p:nvSpPr>
-          <p:cNvPr id="220" name="Google Shape;220;g363ee74573d_0_53:notes"/>
+          <p:cNvPr id="219" name="Google Shape;219;g363ee74573d_0_53:notes"/>
           <p:cNvSpPr txBox="1"/>
           <p:nvPr>
             <p:ph idx="1" type="body"/>
@@ -3007,7 +3007,7 @@
   <p:cSld>
     <p:spTree>
       <p:nvGrpSpPr>
-        <p:cNvPr id="224" name="Shape 224"/>
+        <p:cNvPr id="223" name="Shape 223"/>
         <p:cNvGrpSpPr/>
         <p:nvPr/>
       </p:nvGrpSpPr>
@@ -3021,7 +3021,7 @@
       </p:grpSpPr>
       <p:sp>
         <p:nvSpPr>
-          <p:cNvPr id="225" name="Google Shape;225;g363e9a95540_0_64:notes"/>
+          <p:cNvPr id="224" name="Google Shape;224;g363e9a95540_0_64:notes"/>
           <p:cNvSpPr/>
           <p:nvPr>
             <p:ph idx="2" type="sldImg"/>
@@ -3056,7 +3056,7 @@
       </p:sp>
       <p:sp>
         <p:nvSpPr>
-          <p:cNvPr id="226" name="Google Shape;226;g363e9a95540_0_64:notes"/>
+          <p:cNvPr id="225" name="Google Shape;225;g363e9a95540_0_64:notes"/>
           <p:cNvSpPr txBox="1"/>
           <p:nvPr>
             <p:ph idx="1" type="body"/>
@@ -3106,7 +3106,7 @@
   <p:cSld>
     <p:spTree>
       <p:nvGrpSpPr>
-        <p:cNvPr id="229" name="Shape 229"/>
+        <p:cNvPr id="228" name="Shape 228"/>
         <p:cNvGrpSpPr/>
         <p:nvPr/>
       </p:nvGrpSpPr>
@@ -3120,7 +3120,7 @@
       </p:grpSpPr>
       <p:sp>
         <p:nvSpPr>
-          <p:cNvPr id="230" name="Google Shape;230;g363e9a95540_0_59:notes"/>
+          <p:cNvPr id="229" name="Google Shape;229;g363e9a95540_0_59:notes"/>
           <p:cNvSpPr/>
           <p:nvPr>
             <p:ph idx="2" type="sldImg"/>
@@ -3155,7 +3155,7 @@
       </p:sp>
       <p:sp>
         <p:nvSpPr>
-          <p:cNvPr id="231" name="Google Shape;231;g363e9a95540_0_59:notes"/>
+          <p:cNvPr id="230" name="Google Shape;230;g363e9a95540_0_59:notes"/>
           <p:cNvSpPr txBox="1"/>
           <p:nvPr>
             <p:ph idx="1" type="body"/>
@@ -9088,12 +9088,24 @@
             </a:r>
             <a:r>
               <a:rPr b="1" lang="en" sz="1485">
+                <a:solidFill>
+                  <a:schemeClr val="accent5"/>
+                </a:solidFill>
                 <a:latin typeface="Montserrat"/>
                 <a:ea typeface="Montserrat"/>
                 <a:cs typeface="Montserrat"/>
                 <a:sym typeface="Montserrat"/>
               </a:rPr>
-              <a:t>YOLO5s </a:t>
+              <a:t>YOLO5s</a:t>
+            </a:r>
+            <a:r>
+              <a:rPr b="1" lang="en" sz="1485">
+                <a:latin typeface="Montserrat"/>
+                <a:ea typeface="Montserrat"/>
+                <a:cs typeface="Montserrat"/>
+                <a:sym typeface="Montserrat"/>
+              </a:rPr>
+              <a:t> </a:t>
             </a:r>
             <a:r>
               <a:rPr lang="en" sz="1485">
@@ -9340,12 +9352,24 @@
             </a:pPr>
             <a:r>
               <a:rPr lang="en" sz="1485">
+                <a:solidFill>
+                  <a:schemeClr val="accent5"/>
+                </a:solidFill>
                 <a:latin typeface="Montserrat"/>
                 <a:ea typeface="Montserrat"/>
                 <a:cs typeface="Montserrat"/>
                 <a:sym typeface="Montserrat"/>
               </a:rPr>
-              <a:t>YOLOv5's modular design allows targeted enhancements for small objects without compromising real-time performance.</a:t>
+              <a:t>YOLOv5's</a:t>
+            </a:r>
+            <a:r>
+              <a:rPr lang="en" sz="1485">
+                <a:latin typeface="Montserrat"/>
+                <a:ea typeface="Montserrat"/>
+                <a:cs typeface="Montserrat"/>
+                <a:sym typeface="Montserrat"/>
+              </a:rPr>
+              <a:t> modular design allows targeted enhancements for small objects without compromising real-time performance.</a:t>
             </a:r>
             <a:endParaRPr sz="1485">
               <a:latin typeface="Montserrat"/>
@@ -9810,7 +9834,7 @@
                 <a:cs typeface="Montserrat"/>
                 <a:sym typeface="Montserrat"/>
               </a:rPr>
-              <a:t> por clase</a:t>
+              <a:t> por clase </a:t>
             </a:r>
             <a:endParaRPr sz="1485">
               <a:latin typeface="Montserrat"/>
@@ -9878,6 +9902,13 @@
 <file path=ppt/slides/slide14.xml><?xml version="1.0" encoding="utf-8"?>
 <p:sld xmlns:a="http://schemas.openxmlformats.org/drawingml/2006/main" xmlns:r="http://schemas.openxmlformats.org/officeDocument/2006/relationships" xmlns:mc="http://schemas.openxmlformats.org/markup-compatibility/2006" xmlns:mv="urn:schemas-microsoft-com:mac:vml" xmlns:p="http://schemas.openxmlformats.org/presentationml/2006/main" xmlns:c="http://schemas.openxmlformats.org/drawingml/2006/chart" xmlns:dgm="http://schemas.openxmlformats.org/drawingml/2006/diagram" xmlns:o="urn:schemas-microsoft-com:office:office" xmlns:v="urn:schemas-microsoft-com:vml" xmlns:pvml="urn:schemas-microsoft-com:office:powerpoint" xmlns:com="http://schemas.openxmlformats.org/drawingml/2006/compatibility" xmlns:p14="http://schemas.microsoft.com/office/powerpoint/2010/main" xmlns:p15="http://schemas.microsoft.com/office/powerpoint/2012/main" xmlns:ahyp="http://schemas.microsoft.com/office/drawing/2018/hyperlinkcolor">
   <p:cSld>
+    <p:bg>
+      <p:bgPr>
+        <a:solidFill>
+          <a:schemeClr val="accent5"/>
+        </a:solidFill>
+      </p:bgPr>
+    </p:bg>
     <p:spTree>
       <p:nvGrpSpPr>
         <p:cNvPr id="131" name="Shape 131"/>
@@ -9895,6 +9926,81 @@
       <p:sp>
         <p:nvSpPr>
           <p:cNvPr id="132" name="Google Shape;132;p26"/>
+          <p:cNvSpPr txBox="1"/>
+          <p:nvPr/>
+        </p:nvSpPr>
+        <p:spPr>
+          <a:xfrm>
+            <a:off x="2962500" y="2225400"/>
+            <a:ext cx="3219000" cy="1200600"/>
+          </a:xfrm>
+          <a:prstGeom prst="rect">
+            <a:avLst/>
+          </a:prstGeom>
+          <a:noFill/>
+          <a:ln>
+            <a:noFill/>
+          </a:ln>
+        </p:spPr>
+        <p:txBody>
+          <a:bodyPr anchorCtr="0" anchor="t" bIns="91425" lIns="91425" spcFirstLastPara="1" rIns="91425" wrap="square" tIns="91425">
+            <a:spAutoFit/>
+          </a:bodyPr>
+          <a:lstStyle/>
+          <a:p>
+            <a:pPr indent="0" lvl="0" marL="0" rtl="0" algn="ctr">
+              <a:spcBef>
+                <a:spcPts val="0"/>
+              </a:spcBef>
+              <a:spcAft>
+                <a:spcPts val="0"/>
+              </a:spcAft>
+              <a:buNone/>
+            </a:pPr>
+            <a:r>
+              <a:rPr b="1" lang="en" sz="3300">
+                <a:solidFill>
+                  <a:srgbClr val="F8FAFF"/>
+                </a:solidFill>
+              </a:rPr>
+              <a:t>Data Augmentation</a:t>
+            </a:r>
+            <a:endParaRPr b="1" sz="3300">
+              <a:solidFill>
+                <a:srgbClr val="F8FAFF"/>
+              </a:solidFill>
+            </a:endParaRPr>
+          </a:p>
+        </p:txBody>
+      </p:sp>
+    </p:spTree>
+  </p:cSld>
+  <p:clrMapOvr>
+    <a:masterClrMapping/>
+  </p:clrMapOvr>
+</p:sld>
+</file>
+
+<file path=ppt/slides/slide15.xml><?xml version="1.0" encoding="utf-8"?>
+<p:sld xmlns:a="http://schemas.openxmlformats.org/drawingml/2006/main" xmlns:r="http://schemas.openxmlformats.org/officeDocument/2006/relationships" xmlns:mc="http://schemas.openxmlformats.org/markup-compatibility/2006" xmlns:mv="urn:schemas-microsoft-com:mac:vml" xmlns:p="http://schemas.openxmlformats.org/presentationml/2006/main" xmlns:c="http://schemas.openxmlformats.org/drawingml/2006/chart" xmlns:dgm="http://schemas.openxmlformats.org/drawingml/2006/diagram" xmlns:o="urn:schemas-microsoft-com:office:office" xmlns:v="urn:schemas-microsoft-com:vml" xmlns:pvml="urn:schemas-microsoft-com:office:powerpoint" xmlns:com="http://schemas.openxmlformats.org/drawingml/2006/compatibility" xmlns:p14="http://schemas.microsoft.com/office/powerpoint/2010/main" xmlns:p15="http://schemas.microsoft.com/office/powerpoint/2012/main" xmlns:ahyp="http://schemas.microsoft.com/office/drawing/2018/hyperlinkcolor">
+  <p:cSld>
+    <p:spTree>
+      <p:nvGrpSpPr>
+        <p:cNvPr id="136" name="Shape 136"/>
+        <p:cNvGrpSpPr/>
+        <p:nvPr/>
+      </p:nvGrpSpPr>
+      <p:grpSpPr>
+        <a:xfrm>
+          <a:off x="0" y="0"/>
+          <a:ext cx="0" cy="0"/>
+          <a:chOff x="0" y="0"/>
+          <a:chExt cx="0" cy="0"/>
+        </a:xfrm>
+      </p:grpSpPr>
+      <p:sp>
+        <p:nvSpPr>
+          <p:cNvPr id="137" name="Google Shape;137;p27"/>
           <p:cNvSpPr txBox="1"/>
           <p:nvPr>
             <p:ph type="title"/>
@@ -9943,7 +10049,7 @@
                 <a:cs typeface="Montserrat"/>
                 <a:sym typeface="Montserrat"/>
               </a:rPr>
-              <a:t>Metricas Cont.</a:t>
+              <a:t>Data Augmentation</a:t>
             </a:r>
             <a:endParaRPr sz="2800">
               <a:latin typeface="Montserrat"/>
@@ -9975,545 +10081,7 @@
       </p:sp>
       <p:sp>
         <p:nvSpPr>
-          <p:cNvPr id="133" name="Google Shape;133;p26"/>
-          <p:cNvSpPr txBox="1"/>
-          <p:nvPr>
-            <p:ph idx="1" type="body"/>
-          </p:nvPr>
-        </p:nvSpPr>
-        <p:spPr>
-          <a:xfrm>
-            <a:off x="729450" y="1367000"/>
-            <a:ext cx="7688700" cy="3318300"/>
-          </a:xfrm>
-          <a:prstGeom prst="rect">
-            <a:avLst/>
-          </a:prstGeom>
-          <a:noFill/>
-          <a:ln>
-            <a:noFill/>
-          </a:ln>
-        </p:spPr>
-        <p:txBody>
-          <a:bodyPr anchorCtr="0" anchor="t" bIns="91425" lIns="91425" spcFirstLastPara="1" rIns="91425" wrap="square" tIns="91425">
-            <a:noAutofit/>
-          </a:bodyPr>
-          <a:lstStyle/>
-          <a:p>
-            <a:pPr indent="-322897" lvl="0" marL="457200" rtl="0" algn="l">
-              <a:lnSpc>
-                <a:spcPct val="115000"/>
-              </a:lnSpc>
-              <a:spcBef>
-                <a:spcPts val="0"/>
-              </a:spcBef>
-              <a:spcAft>
-                <a:spcPts val="0"/>
-              </a:spcAft>
-              <a:buSzPts val="1485"/>
-              <a:buFont typeface="Montserrat"/>
-              <a:buChar char="●"/>
-            </a:pPr>
-            <a:r>
-              <a:rPr b="1" lang="en" sz="1485">
-                <a:latin typeface="Montserrat"/>
-                <a:ea typeface="Montserrat"/>
-                <a:cs typeface="Montserrat"/>
-                <a:sym typeface="Montserrat"/>
-              </a:rPr>
-              <a:t>Metricas</a:t>
-            </a:r>
-            <a:r>
-              <a:rPr lang="en" sz="1485">
-                <a:latin typeface="Montserrat"/>
-                <a:ea typeface="Montserrat"/>
-                <a:cs typeface="Montserrat"/>
-                <a:sym typeface="Montserrat"/>
-              </a:rPr>
-              <a:t>: Para detección de objetos, las métricas deben considerar tanto la precisión de la clase como la localización del objeto (bounding box). Las métricas a utilizar son:</a:t>
-            </a:r>
-            <a:endParaRPr sz="1485">
-              <a:latin typeface="Montserrat"/>
-              <a:ea typeface="Montserrat"/>
-              <a:cs typeface="Montserrat"/>
-              <a:sym typeface="Montserrat"/>
-            </a:endParaRPr>
-          </a:p>
-          <a:p>
-            <a:pPr indent="-322897" lvl="1" marL="914400" rtl="0" algn="l">
-              <a:lnSpc>
-                <a:spcPct val="115000"/>
-              </a:lnSpc>
-              <a:spcBef>
-                <a:spcPts val="0"/>
-              </a:spcBef>
-              <a:spcAft>
-                <a:spcPts val="0"/>
-              </a:spcAft>
-              <a:buSzPts val="1485"/>
-              <a:buFont typeface="Montserrat"/>
-              <a:buChar char="○"/>
-            </a:pPr>
-            <a:r>
-              <a:rPr b="1" lang="en" sz="1485">
-                <a:latin typeface="Montserrat"/>
-                <a:ea typeface="Montserrat"/>
-                <a:cs typeface="Montserrat"/>
-                <a:sym typeface="Montserrat"/>
-              </a:rPr>
-              <a:t>mAP </a:t>
-            </a:r>
-            <a:r>
-              <a:rPr lang="en" sz="1485">
-                <a:latin typeface="Montserrat"/>
-                <a:ea typeface="Montserrat"/>
-                <a:cs typeface="Montserrat"/>
-                <a:sym typeface="Montserrat"/>
-              </a:rPr>
-              <a:t>(mean Average Precision)</a:t>
-            </a:r>
-            <a:endParaRPr sz="1485">
-              <a:latin typeface="Montserrat"/>
-              <a:ea typeface="Montserrat"/>
-              <a:cs typeface="Montserrat"/>
-              <a:sym typeface="Montserrat"/>
-            </a:endParaRPr>
-          </a:p>
-          <a:p>
-            <a:pPr indent="-322897" lvl="1" marL="914400" rtl="0" algn="l">
-              <a:lnSpc>
-                <a:spcPct val="115000"/>
-              </a:lnSpc>
-              <a:spcBef>
-                <a:spcPts val="0"/>
-              </a:spcBef>
-              <a:spcAft>
-                <a:spcPts val="0"/>
-              </a:spcAft>
-              <a:buSzPts val="1485"/>
-              <a:buFont typeface="Montserrat"/>
-              <a:buChar char="○"/>
-            </a:pPr>
-            <a:r>
-              <a:rPr lang="en" sz="1485">
-                <a:latin typeface="Montserrat"/>
-                <a:ea typeface="Montserrat"/>
-                <a:cs typeface="Montserrat"/>
-                <a:sym typeface="Montserrat"/>
-              </a:rPr>
-              <a:t>Se suele usar </a:t>
-            </a:r>
-            <a:r>
-              <a:rPr b="1" lang="en" sz="1485">
-                <a:latin typeface="Montserrat"/>
-                <a:ea typeface="Montserrat"/>
-                <a:cs typeface="Montserrat"/>
-                <a:sym typeface="Montserrat"/>
-              </a:rPr>
-              <a:t>mAP@IoU=0.5</a:t>
-            </a:r>
-            <a:r>
-              <a:rPr lang="en" sz="1485">
-                <a:latin typeface="Montserrat"/>
-                <a:ea typeface="Montserrat"/>
-                <a:cs typeface="Montserrat"/>
-                <a:sym typeface="Montserrat"/>
-              </a:rPr>
-              <a:t> (significa que se considera correcta una predicción si su Intersección sobre Unión con el ground truth es mayor al 50%).</a:t>
-            </a:r>
-            <a:endParaRPr sz="1485">
-              <a:latin typeface="Montserrat"/>
-              <a:ea typeface="Montserrat"/>
-              <a:cs typeface="Montserrat"/>
-              <a:sym typeface="Montserrat"/>
-            </a:endParaRPr>
-          </a:p>
-          <a:p>
-            <a:pPr indent="-322897" lvl="1" marL="914400" rtl="0" algn="l">
-              <a:lnSpc>
-                <a:spcPct val="115000"/>
-              </a:lnSpc>
-              <a:spcBef>
-                <a:spcPts val="0"/>
-              </a:spcBef>
-              <a:spcAft>
-                <a:spcPts val="0"/>
-              </a:spcAft>
-              <a:buSzPts val="1485"/>
-              <a:buFont typeface="Montserrat"/>
-              <a:buChar char="○"/>
-            </a:pPr>
-            <a:r>
-              <a:rPr lang="en" sz="1485">
-                <a:latin typeface="Montserrat"/>
-                <a:ea typeface="Montserrat"/>
-                <a:cs typeface="Montserrat"/>
-                <a:sym typeface="Montserrat"/>
-              </a:rPr>
-              <a:t>También se puede usar </a:t>
-            </a:r>
-            <a:r>
-              <a:rPr b="1" lang="en" sz="1485">
-                <a:latin typeface="Montserrat"/>
-                <a:ea typeface="Montserrat"/>
-                <a:cs typeface="Montserrat"/>
-                <a:sym typeface="Montserrat"/>
-              </a:rPr>
-              <a:t>mAP@[.5:.95]</a:t>
-            </a:r>
-            <a:r>
-              <a:rPr lang="en" sz="1485">
-                <a:latin typeface="Montserrat"/>
-                <a:ea typeface="Montserrat"/>
-                <a:cs typeface="Montserrat"/>
-                <a:sym typeface="Montserrat"/>
-              </a:rPr>
-              <a:t> (promediando desde IoU=0.5 hasta 0.95 en pasos de 0.05), que es más estricto.</a:t>
-            </a:r>
-            <a:endParaRPr sz="1485">
-              <a:latin typeface="Montserrat"/>
-              <a:ea typeface="Montserrat"/>
-              <a:cs typeface="Montserrat"/>
-              <a:sym typeface="Montserrat"/>
-            </a:endParaRPr>
-          </a:p>
-          <a:p>
-            <a:pPr indent="-322897" lvl="1" marL="914400" rtl="0" algn="l">
-              <a:lnSpc>
-                <a:spcPct val="115000"/>
-              </a:lnSpc>
-              <a:spcBef>
-                <a:spcPts val="0"/>
-              </a:spcBef>
-              <a:spcAft>
-                <a:spcPts val="0"/>
-              </a:spcAft>
-              <a:buSzPts val="1485"/>
-              <a:buFont typeface="Montserrat"/>
-              <a:buChar char="○"/>
-            </a:pPr>
-            <a:r>
-              <a:rPr b="1" lang="en" sz="1485">
-                <a:latin typeface="Montserrat"/>
-                <a:ea typeface="Montserrat"/>
-                <a:cs typeface="Montserrat"/>
-                <a:sym typeface="Montserrat"/>
-              </a:rPr>
-              <a:t>IoU</a:t>
-            </a:r>
-            <a:r>
-              <a:rPr lang="en" sz="1485">
-                <a:latin typeface="Montserrat"/>
-                <a:ea typeface="Montserrat"/>
-                <a:cs typeface="Montserrat"/>
-                <a:sym typeface="Montserrat"/>
-              </a:rPr>
-              <a:t> (Intersection over Union)</a:t>
-            </a:r>
-            <a:endParaRPr sz="1485">
-              <a:latin typeface="Montserrat"/>
-              <a:ea typeface="Montserrat"/>
-              <a:cs typeface="Montserrat"/>
-              <a:sym typeface="Montserrat"/>
-            </a:endParaRPr>
-          </a:p>
-          <a:p>
-            <a:pPr indent="-322897" lvl="1" marL="914400" rtl="0" algn="l">
-              <a:lnSpc>
-                <a:spcPct val="115000"/>
-              </a:lnSpc>
-              <a:spcBef>
-                <a:spcPts val="0"/>
-              </a:spcBef>
-              <a:spcAft>
-                <a:spcPts val="0"/>
-              </a:spcAft>
-              <a:buSzPts val="1485"/>
-              <a:buFont typeface="Montserrat"/>
-              <a:buChar char="○"/>
-            </a:pPr>
-            <a:r>
-              <a:rPr b="1" lang="en" sz="1485">
-                <a:latin typeface="Montserrat"/>
-                <a:ea typeface="Montserrat"/>
-                <a:cs typeface="Montserrat"/>
-                <a:sym typeface="Montserrat"/>
-              </a:rPr>
-              <a:t>Precision</a:t>
-            </a:r>
-            <a:r>
-              <a:rPr lang="en" sz="1485">
-                <a:latin typeface="Montserrat"/>
-                <a:ea typeface="Montserrat"/>
-                <a:cs typeface="Montserrat"/>
-                <a:sym typeface="Montserrat"/>
-              </a:rPr>
-              <a:t> y </a:t>
-            </a:r>
-            <a:r>
-              <a:rPr b="1" lang="en" sz="1485">
-                <a:latin typeface="Montserrat"/>
-                <a:ea typeface="Montserrat"/>
-                <a:cs typeface="Montserrat"/>
-                <a:sym typeface="Montserrat"/>
-              </a:rPr>
-              <a:t>Recall</a:t>
-            </a:r>
-            <a:r>
-              <a:rPr lang="en" sz="1485">
-                <a:latin typeface="Montserrat"/>
-                <a:ea typeface="Montserrat"/>
-                <a:cs typeface="Montserrat"/>
-                <a:sym typeface="Montserrat"/>
-              </a:rPr>
-              <a:t> por clase</a:t>
-            </a:r>
-            <a:endParaRPr sz="1485">
-              <a:latin typeface="Montserrat"/>
-              <a:ea typeface="Montserrat"/>
-              <a:cs typeface="Montserrat"/>
-              <a:sym typeface="Montserrat"/>
-            </a:endParaRPr>
-          </a:p>
-          <a:p>
-            <a:pPr indent="0" lvl="0" marL="0" rtl="0" algn="l">
-              <a:lnSpc>
-                <a:spcPct val="115000"/>
-              </a:lnSpc>
-              <a:spcBef>
-                <a:spcPts val="0"/>
-              </a:spcBef>
-              <a:spcAft>
-                <a:spcPts val="0"/>
-              </a:spcAft>
-              <a:buNone/>
-            </a:pPr>
-            <a:r>
-              <a:t/>
-            </a:r>
-            <a:endParaRPr sz="1485">
-              <a:latin typeface="Montserrat"/>
-              <a:ea typeface="Montserrat"/>
-              <a:cs typeface="Montserrat"/>
-              <a:sym typeface="Montserrat"/>
-            </a:endParaRPr>
-          </a:p>
-          <a:p>
-            <a:pPr indent="0" lvl="0" marL="0" rtl="0" algn="l">
-              <a:lnSpc>
-                <a:spcPct val="115000"/>
-              </a:lnSpc>
-              <a:spcBef>
-                <a:spcPts val="0"/>
-              </a:spcBef>
-              <a:spcAft>
-                <a:spcPts val="0"/>
-              </a:spcAft>
-              <a:buNone/>
-            </a:pPr>
-            <a:r>
-              <a:t/>
-            </a:r>
-            <a:endParaRPr sz="1485">
-              <a:latin typeface="Montserrat"/>
-              <a:ea typeface="Montserrat"/>
-              <a:cs typeface="Montserrat"/>
-              <a:sym typeface="Montserrat"/>
-            </a:endParaRPr>
-          </a:p>
-        </p:txBody>
-      </p:sp>
-    </p:spTree>
-  </p:cSld>
-  <p:clrMapOvr>
-    <a:masterClrMapping/>
-  </p:clrMapOvr>
-</p:sld>
-</file>
-
-<file path=ppt/slides/slide15.xml><?xml version="1.0" encoding="utf-8"?>
-<p:sld xmlns:a="http://schemas.openxmlformats.org/drawingml/2006/main" xmlns:r="http://schemas.openxmlformats.org/officeDocument/2006/relationships" xmlns:mc="http://schemas.openxmlformats.org/markup-compatibility/2006" xmlns:mv="urn:schemas-microsoft-com:mac:vml" xmlns:p="http://schemas.openxmlformats.org/presentationml/2006/main" xmlns:c="http://schemas.openxmlformats.org/drawingml/2006/chart" xmlns:dgm="http://schemas.openxmlformats.org/drawingml/2006/diagram" xmlns:o="urn:schemas-microsoft-com:office:office" xmlns:v="urn:schemas-microsoft-com:vml" xmlns:pvml="urn:schemas-microsoft-com:office:powerpoint" xmlns:com="http://schemas.openxmlformats.org/drawingml/2006/compatibility" xmlns:p14="http://schemas.microsoft.com/office/powerpoint/2010/main" xmlns:p15="http://schemas.microsoft.com/office/powerpoint/2012/main" xmlns:ahyp="http://schemas.microsoft.com/office/drawing/2018/hyperlinkcolor">
-  <p:cSld>
-    <p:bg>
-      <p:bgPr>
-        <a:solidFill>
-          <a:schemeClr val="accent5"/>
-        </a:solidFill>
-      </p:bgPr>
-    </p:bg>
-    <p:spTree>
-      <p:nvGrpSpPr>
-        <p:cNvPr id="137" name="Shape 137"/>
-        <p:cNvGrpSpPr/>
-        <p:nvPr/>
-      </p:nvGrpSpPr>
-      <p:grpSpPr>
-        <a:xfrm>
-          <a:off x="0" y="0"/>
-          <a:ext cx="0" cy="0"/>
-          <a:chOff x="0" y="0"/>
-          <a:chExt cx="0" cy="0"/>
-        </a:xfrm>
-      </p:grpSpPr>
-      <p:sp>
-        <p:nvSpPr>
           <p:cNvPr id="138" name="Google Shape;138;p27"/>
-          <p:cNvSpPr txBox="1"/>
-          <p:nvPr/>
-        </p:nvSpPr>
-        <p:spPr>
-          <a:xfrm>
-            <a:off x="2962500" y="2225400"/>
-            <a:ext cx="3219000" cy="692700"/>
-          </a:xfrm>
-          <a:prstGeom prst="rect">
-            <a:avLst/>
-          </a:prstGeom>
-          <a:noFill/>
-          <a:ln>
-            <a:noFill/>
-          </a:ln>
-        </p:spPr>
-        <p:txBody>
-          <a:bodyPr anchorCtr="0" anchor="t" bIns="91425" lIns="91425" spcFirstLastPara="1" rIns="91425" wrap="square" tIns="91425">
-            <a:spAutoFit/>
-          </a:bodyPr>
-          <a:lstStyle/>
-          <a:p>
-            <a:pPr indent="0" lvl="0" marL="0" rtl="0" algn="ctr">
-              <a:spcBef>
-                <a:spcPts val="0"/>
-              </a:spcBef>
-              <a:spcAft>
-                <a:spcPts val="0"/>
-              </a:spcAft>
-              <a:buNone/>
-            </a:pPr>
-            <a:r>
-              <a:rPr b="1" lang="en" sz="3300">
-                <a:solidFill>
-                  <a:srgbClr val="F8FAFF"/>
-                </a:solidFill>
-              </a:rPr>
-              <a:t>Experimentos</a:t>
-            </a:r>
-            <a:endParaRPr b="1" sz="3300">
-              <a:solidFill>
-                <a:srgbClr val="F8FAFF"/>
-              </a:solidFill>
-            </a:endParaRPr>
-          </a:p>
-        </p:txBody>
-      </p:sp>
-    </p:spTree>
-  </p:cSld>
-  <p:clrMapOvr>
-    <a:masterClrMapping/>
-  </p:clrMapOvr>
-</p:sld>
-</file>
-
-<file path=ppt/slides/slide16.xml><?xml version="1.0" encoding="utf-8"?>
-<p:sld xmlns:a="http://schemas.openxmlformats.org/drawingml/2006/main" xmlns:r="http://schemas.openxmlformats.org/officeDocument/2006/relationships" xmlns:mc="http://schemas.openxmlformats.org/markup-compatibility/2006" xmlns:mv="urn:schemas-microsoft-com:mac:vml" xmlns:p="http://schemas.openxmlformats.org/presentationml/2006/main" xmlns:c="http://schemas.openxmlformats.org/drawingml/2006/chart" xmlns:dgm="http://schemas.openxmlformats.org/drawingml/2006/diagram" xmlns:o="urn:schemas-microsoft-com:office:office" xmlns:v="urn:schemas-microsoft-com:vml" xmlns:pvml="urn:schemas-microsoft-com:office:powerpoint" xmlns:com="http://schemas.openxmlformats.org/drawingml/2006/compatibility" xmlns:p14="http://schemas.microsoft.com/office/powerpoint/2010/main" xmlns:p15="http://schemas.microsoft.com/office/powerpoint/2012/main" xmlns:ahyp="http://schemas.microsoft.com/office/drawing/2018/hyperlinkcolor">
-  <p:cSld>
-    <p:spTree>
-      <p:nvGrpSpPr>
-        <p:cNvPr id="142" name="Shape 142"/>
-        <p:cNvGrpSpPr/>
-        <p:nvPr/>
-      </p:nvGrpSpPr>
-      <p:grpSpPr>
-        <a:xfrm>
-          <a:off x="0" y="0"/>
-          <a:ext cx="0" cy="0"/>
-          <a:chOff x="0" y="0"/>
-          <a:chExt cx="0" cy="0"/>
-        </a:xfrm>
-      </p:grpSpPr>
-      <p:sp>
-        <p:nvSpPr>
-          <p:cNvPr id="143" name="Google Shape;143;p28"/>
-          <p:cNvSpPr txBox="1"/>
-          <p:nvPr>
-            <p:ph type="title"/>
-          </p:nvPr>
-        </p:nvSpPr>
-        <p:spPr>
-          <a:xfrm>
-            <a:off x="729450" y="556650"/>
-            <a:ext cx="7688700" cy="535200"/>
-          </a:xfrm>
-          <a:prstGeom prst="rect">
-            <a:avLst/>
-          </a:prstGeom>
-          <a:noFill/>
-          <a:ln>
-            <a:noFill/>
-          </a:ln>
-        </p:spPr>
-        <p:txBody>
-          <a:bodyPr anchorCtr="0" anchor="t" bIns="91425" lIns="91425" spcFirstLastPara="1" rIns="91425" wrap="square" tIns="91425">
-            <a:normAutofit fontScale="90000"/>
-          </a:bodyPr>
-          <a:lstStyle/>
-          <a:p>
-            <a:pPr indent="0" lvl="0" marL="0" rtl="0" algn="l">
-              <a:lnSpc>
-                <a:spcPct val="100000"/>
-              </a:lnSpc>
-              <a:spcBef>
-                <a:spcPts val="0"/>
-              </a:spcBef>
-              <a:spcAft>
-                <a:spcPts val="0"/>
-              </a:spcAft>
-              <a:buClr>
-                <a:srgbClr val="000000"/>
-              </a:buClr>
-              <a:buSzPct val="100000"/>
-              <a:buFont typeface="Arial"/>
-              <a:buNone/>
-            </a:pPr>
-            <a:r>
-              <a:rPr lang="en">
-                <a:latin typeface="Montserrat"/>
-                <a:ea typeface="Montserrat"/>
-                <a:cs typeface="Montserrat"/>
-                <a:sym typeface="Montserrat"/>
-              </a:rPr>
-              <a:t>Data Augmentation</a:t>
-            </a:r>
-            <a:endParaRPr sz="2800">
-              <a:latin typeface="Montserrat"/>
-              <a:ea typeface="Montserrat"/>
-              <a:cs typeface="Montserrat"/>
-              <a:sym typeface="Montserrat"/>
-            </a:endParaRPr>
-          </a:p>
-          <a:p>
-            <a:pPr indent="0" lvl="0" marL="0" rtl="0" algn="l">
-              <a:lnSpc>
-                <a:spcPct val="100000"/>
-              </a:lnSpc>
-              <a:spcBef>
-                <a:spcPts val="0"/>
-              </a:spcBef>
-              <a:spcAft>
-                <a:spcPts val="0"/>
-              </a:spcAft>
-              <a:buSzPct val="103174"/>
-              <a:buNone/>
-            </a:pPr>
-            <a:r>
-              <a:t/>
-            </a:r>
-            <a:endParaRPr/>
-          </a:p>
-        </p:txBody>
-      </p:sp>
-      <p:sp>
-        <p:nvSpPr>
-          <p:cNvPr id="144" name="Google Shape;144;p28"/>
           <p:cNvSpPr txBox="1"/>
           <p:nvPr>
             <p:ph idx="1" type="body"/>
@@ -10659,7 +10227,7 @@
       </p:sp>
       <p:pic>
         <p:nvPicPr>
-          <p:cNvPr id="145" name="Google Shape;145;p28"/>
+          <p:cNvPr id="139" name="Google Shape;139;p27"/>
           <p:cNvPicPr preferRelativeResize="0"/>
           <p:nvPr/>
         </p:nvPicPr>
@@ -10687,7 +10255,7 @@
       </p:pic>
       <p:pic>
         <p:nvPicPr>
-          <p:cNvPr id="146" name="Google Shape;146;p28"/>
+          <p:cNvPr id="140" name="Google Shape;140;p27"/>
           <p:cNvPicPr preferRelativeResize="0"/>
           <p:nvPr/>
         </p:nvPicPr>
@@ -10721,12 +10289,12 @@
 </p:sld>
 </file>
 
-<file path=ppt/slides/slide17.xml><?xml version="1.0" encoding="utf-8"?>
+<file path=ppt/slides/slide16.xml><?xml version="1.0" encoding="utf-8"?>
 <p:sld xmlns:a="http://schemas.openxmlformats.org/drawingml/2006/main" xmlns:r="http://schemas.openxmlformats.org/officeDocument/2006/relationships" xmlns:mc="http://schemas.openxmlformats.org/markup-compatibility/2006" xmlns:mv="urn:schemas-microsoft-com:mac:vml" xmlns:p="http://schemas.openxmlformats.org/presentationml/2006/main" xmlns:c="http://schemas.openxmlformats.org/drawingml/2006/chart" xmlns:dgm="http://schemas.openxmlformats.org/drawingml/2006/diagram" xmlns:o="urn:schemas-microsoft-com:office:office" xmlns:v="urn:schemas-microsoft-com:vml" xmlns:pvml="urn:schemas-microsoft-com:office:powerpoint" xmlns:com="http://schemas.openxmlformats.org/drawingml/2006/compatibility" xmlns:p14="http://schemas.microsoft.com/office/powerpoint/2010/main" xmlns:p15="http://schemas.microsoft.com/office/powerpoint/2012/main" xmlns:ahyp="http://schemas.microsoft.com/office/drawing/2018/hyperlinkcolor">
   <p:cSld>
     <p:spTree>
       <p:nvGrpSpPr>
-        <p:cNvPr id="150" name="Shape 150"/>
+        <p:cNvPr id="144" name="Shape 144"/>
         <p:cNvGrpSpPr/>
         <p:nvPr/>
       </p:nvGrpSpPr>
@@ -10740,7 +10308,7 @@
       </p:grpSpPr>
       <p:sp>
         <p:nvSpPr>
-          <p:cNvPr id="151" name="Google Shape;151;p29"/>
+          <p:cNvPr id="145" name="Google Shape;145;p28"/>
           <p:cNvSpPr txBox="1"/>
           <p:nvPr>
             <p:ph type="title"/>
@@ -10821,7 +10389,7 @@
       </p:sp>
       <p:sp>
         <p:nvSpPr>
-          <p:cNvPr id="152" name="Google Shape;152;p29"/>
+          <p:cNvPr id="146" name="Google Shape;146;p28"/>
           <p:cNvSpPr txBox="1"/>
           <p:nvPr>
             <p:ph idx="1" type="body"/>
@@ -10959,7 +10527,7 @@
       </p:sp>
       <p:sp>
         <p:nvSpPr>
-          <p:cNvPr id="153" name="Google Shape;153;p29"/>
+          <p:cNvPr id="147" name="Google Shape;147;p28"/>
           <p:cNvSpPr txBox="1"/>
           <p:nvPr/>
         </p:nvSpPr>
@@ -11430,6 +10998,88 @@
               <a:ea typeface="Courier New"/>
               <a:cs typeface="Courier New"/>
               <a:sym typeface="Courier New"/>
+            </a:endParaRPr>
+          </a:p>
+        </p:txBody>
+      </p:sp>
+    </p:spTree>
+  </p:cSld>
+  <p:clrMapOvr>
+    <a:masterClrMapping/>
+  </p:clrMapOvr>
+</p:sld>
+</file>
+
+<file path=ppt/slides/slide17.xml><?xml version="1.0" encoding="utf-8"?>
+<p:sld xmlns:a="http://schemas.openxmlformats.org/drawingml/2006/main" xmlns:r="http://schemas.openxmlformats.org/officeDocument/2006/relationships" xmlns:mc="http://schemas.openxmlformats.org/markup-compatibility/2006" xmlns:mv="urn:schemas-microsoft-com:mac:vml" xmlns:p="http://schemas.openxmlformats.org/presentationml/2006/main" xmlns:c="http://schemas.openxmlformats.org/drawingml/2006/chart" xmlns:dgm="http://schemas.openxmlformats.org/drawingml/2006/diagram" xmlns:o="urn:schemas-microsoft-com:office:office" xmlns:v="urn:schemas-microsoft-com:vml" xmlns:pvml="urn:schemas-microsoft-com:office:powerpoint" xmlns:com="http://schemas.openxmlformats.org/drawingml/2006/compatibility" xmlns:p14="http://schemas.microsoft.com/office/powerpoint/2010/main" xmlns:p15="http://schemas.microsoft.com/office/powerpoint/2012/main" xmlns:ahyp="http://schemas.microsoft.com/office/drawing/2018/hyperlinkcolor">
+  <p:cSld>
+    <p:bg>
+      <p:bgPr>
+        <a:solidFill>
+          <a:schemeClr val="accent5"/>
+        </a:solidFill>
+      </p:bgPr>
+    </p:bg>
+    <p:spTree>
+      <p:nvGrpSpPr>
+        <p:cNvPr id="151" name="Shape 151"/>
+        <p:cNvGrpSpPr/>
+        <p:nvPr/>
+      </p:nvGrpSpPr>
+      <p:grpSpPr>
+        <a:xfrm>
+          <a:off x="0" y="0"/>
+          <a:ext cx="0" cy="0"/>
+          <a:chOff x="0" y="0"/>
+          <a:chExt cx="0" cy="0"/>
+        </a:xfrm>
+      </p:grpSpPr>
+      <p:sp>
+        <p:nvSpPr>
+          <p:cNvPr id="152" name="Google Shape;152;p29"/>
+          <p:cNvSpPr txBox="1"/>
+          <p:nvPr/>
+        </p:nvSpPr>
+        <p:spPr>
+          <a:xfrm>
+            <a:off x="2962500" y="2225400"/>
+            <a:ext cx="3219000" cy="692700"/>
+          </a:xfrm>
+          <a:prstGeom prst="rect">
+            <a:avLst/>
+          </a:prstGeom>
+          <a:noFill/>
+          <a:ln>
+            <a:noFill/>
+          </a:ln>
+        </p:spPr>
+        <p:txBody>
+          <a:bodyPr anchorCtr="0" anchor="t" bIns="91425" lIns="91425" spcFirstLastPara="1" rIns="91425" wrap="square" tIns="91425">
+            <a:spAutoFit/>
+          </a:bodyPr>
+          <a:lstStyle/>
+          <a:p>
+            <a:pPr indent="0" lvl="0" marL="0" rtl="0" algn="ctr">
+              <a:spcBef>
+                <a:spcPts val="0"/>
+              </a:spcBef>
+              <a:spcAft>
+                <a:spcPts val="0"/>
+              </a:spcAft>
+              <a:buNone/>
+            </a:pPr>
+            <a:r>
+              <a:rPr b="1" lang="en" sz="3300">
+                <a:solidFill>
+                  <a:srgbClr val="F8FAFF"/>
+                </a:solidFill>
+              </a:rPr>
+              <a:t>Experimentos</a:t>
+            </a:r>
+            <a:endParaRPr b="1" sz="3300">
+              <a:solidFill>
+                <a:srgbClr val="F8FAFF"/>
+              </a:solidFill>
             </a:endParaRPr>
           </a:p>
         </p:txBody>
@@ -11454,7 +11104,7 @@
     </p:bg>
     <p:spTree>
       <p:nvGrpSpPr>
-        <p:cNvPr id="157" name="Shape 157"/>
+        <p:cNvPr id="156" name="Shape 156"/>
         <p:cNvGrpSpPr/>
         <p:nvPr/>
       </p:nvGrpSpPr>
@@ -11468,7 +11118,7 @@
       </p:grpSpPr>
       <p:sp>
         <p:nvSpPr>
-          <p:cNvPr id="158" name="Google Shape;158;p30"/>
+          <p:cNvPr id="157" name="Google Shape;157;p30"/>
           <p:cNvSpPr txBox="1"/>
           <p:nvPr/>
         </p:nvSpPr>
@@ -11529,7 +11179,7 @@
   <p:cSld>
     <p:spTree>
       <p:nvGrpSpPr>
-        <p:cNvPr id="162" name="Shape 162"/>
+        <p:cNvPr id="161" name="Shape 161"/>
         <p:cNvGrpSpPr/>
         <p:nvPr/>
       </p:nvGrpSpPr>
@@ -11543,7 +11193,7 @@
       </p:grpSpPr>
       <p:sp>
         <p:nvSpPr>
-          <p:cNvPr id="163" name="Google Shape;163;p31"/>
+          <p:cNvPr id="162" name="Google Shape;162;p31"/>
           <p:cNvSpPr txBox="1"/>
           <p:nvPr>
             <p:ph type="title"/>
@@ -11624,7 +11274,7 @@
       </p:sp>
       <p:sp>
         <p:nvSpPr>
-          <p:cNvPr id="164" name="Google Shape;164;p31"/>
+          <p:cNvPr id="163" name="Google Shape;163;p31"/>
           <p:cNvSpPr txBox="1"/>
           <p:nvPr>
             <p:ph idx="1" type="body"/>
@@ -12140,7 +11790,7 @@
   <p:cSld>
     <p:spTree>
       <p:nvGrpSpPr>
-        <p:cNvPr id="168" name="Shape 168"/>
+        <p:cNvPr id="167" name="Shape 167"/>
         <p:cNvGrpSpPr/>
         <p:nvPr/>
       </p:nvGrpSpPr>
@@ -12154,7 +11804,7 @@
       </p:grpSpPr>
       <p:sp>
         <p:nvSpPr>
-          <p:cNvPr id="169" name="Google Shape;169;p32"/>
+          <p:cNvPr id="168" name="Google Shape;168;p32"/>
           <p:cNvSpPr txBox="1"/>
           <p:nvPr>
             <p:ph type="title"/>
@@ -12244,7 +11894,7 @@
       </p:sp>
       <p:sp>
         <p:nvSpPr>
-          <p:cNvPr id="170" name="Google Shape;170;p32"/>
+          <p:cNvPr id="169" name="Google Shape;169;p32"/>
           <p:cNvSpPr txBox="1"/>
           <p:nvPr>
             <p:ph idx="1" type="body"/>
@@ -12280,9 +11930,45 @@
             </a:pPr>
             <a:r>
               <a:rPr lang="en" sz="1200"/>
-              <a:t>Análisis Comparativo por Clases: YOLOv5s vs. YOLOv5m vs. YOLOv5l</a:t>
-            </a:r>
-            <a:endParaRPr sz="1200"/>
+              <a:t>Análisis Comparativo por Clases: </a:t>
+            </a:r>
+            <a:r>
+              <a:rPr lang="en" sz="1200">
+                <a:solidFill>
+                  <a:schemeClr val="accent5"/>
+                </a:solidFill>
+              </a:rPr>
+              <a:t>YOLOv5s</a:t>
+            </a:r>
+            <a:r>
+              <a:rPr lang="en" sz="1200"/>
+              <a:t> vs. </a:t>
+            </a:r>
+            <a:r>
+              <a:rPr lang="en" sz="1200">
+                <a:solidFill>
+                  <a:schemeClr val="accent5"/>
+                </a:solidFill>
+              </a:rPr>
+              <a:t>YOLOv5m</a:t>
+            </a:r>
+            <a:r>
+              <a:rPr lang="en" sz="1200"/>
+              <a:t> vs. </a:t>
+            </a:r>
+            <a:r>
+              <a:rPr lang="en" sz="1200">
+                <a:solidFill>
+                  <a:schemeClr val="accent5"/>
+                </a:solidFill>
+              </a:rPr>
+              <a:t>YOLOv5l</a:t>
+            </a:r>
+            <a:endParaRPr sz="1200">
+              <a:solidFill>
+                <a:schemeClr val="accent5"/>
+              </a:solidFill>
+            </a:endParaRPr>
           </a:p>
           <a:p>
             <a:pPr indent="0" lvl="0" marL="0" rtl="0" algn="l">
@@ -12296,9 +11982,33 @@
             </a:pPr>
             <a:r>
               <a:rPr lang="en" sz="1200"/>
-              <a:t>1. YOLOv5s vs. YOLOv5m</a:t>
-            </a:r>
-            <a:endParaRPr sz="1200"/>
+              <a:t>1. </a:t>
+            </a:r>
+            <a:r>
+              <a:rPr b="1" lang="en" sz="1200">
+                <a:solidFill>
+                  <a:schemeClr val="accent5"/>
+                </a:solidFill>
+              </a:rPr>
+              <a:t>YOLOv5s</a:t>
+            </a:r>
+            <a:r>
+              <a:rPr lang="en" sz="1200"/>
+              <a:t> vs. </a:t>
+            </a:r>
+            <a:r>
+              <a:rPr b="1" lang="en" sz="1200">
+                <a:solidFill>
+                  <a:schemeClr val="accent5"/>
+                </a:solidFill>
+              </a:rPr>
+              <a:t>YOLOv5m</a:t>
+            </a:r>
+            <a:endParaRPr b="1" sz="1200">
+              <a:solidFill>
+                <a:schemeClr val="accent5"/>
+              </a:solidFill>
+            </a:endParaRPr>
           </a:p>
           <a:p>
             <a:pPr indent="-304800" lvl="0" marL="457200" rtl="0" algn="l">
@@ -12330,7 +12040,43 @@
             </a:pPr>
             <a:r>
               <a:rPr lang="en" sz="800"/>
-              <a:t>Tanto YOLOv5s como YOLOv5m logran excelentes resultados (P &gt; 97%, R &gt; 98%, mAP50 &gt; 98%), con diferencias mínimas (&lt; 0.5%). Esto sugiere que, para esta clase, el modelo más pequeño (YOLOv5s) es suficiente.</a:t>
+              <a:t>Tanto </a:t>
+            </a:r>
+            <a:r>
+              <a:rPr lang="en" sz="800">
+                <a:solidFill>
+                  <a:schemeClr val="accent5"/>
+                </a:solidFill>
+              </a:rPr>
+              <a:t>YOLOv5s</a:t>
+            </a:r>
+            <a:r>
+              <a:rPr lang="en" sz="800"/>
+              <a:t> como </a:t>
+            </a:r>
+            <a:r>
+              <a:rPr lang="en" sz="800">
+                <a:solidFill>
+                  <a:schemeClr val="accent5"/>
+                </a:solidFill>
+              </a:rPr>
+              <a:t>YOLOv5m</a:t>
+            </a:r>
+            <a:r>
+              <a:rPr lang="en" sz="800"/>
+              <a:t> logran excelentes resultados (P &gt; 97%, R &gt; 98%, mAP50 &gt; 98%), con diferencias mínimas (&lt; 0.5%). Esto sugiere que, para esta clase, el modelo más pequeño (</a:t>
+            </a:r>
+            <a:r>
+              <a:rPr lang="en" sz="800">
+                <a:solidFill>
+                  <a:schemeClr val="accent5"/>
+                </a:solidFill>
+              </a:rPr>
+              <a:t>YOLOv5s</a:t>
+            </a:r>
+            <a:r>
+              <a:rPr lang="en" sz="800"/>
+              <a:t>) es suficiente.</a:t>
             </a:r>
             <a:endParaRPr sz="800"/>
           </a:p>
@@ -12363,8 +12109,16 @@
               <a:buChar char="○"/>
             </a:pPr>
             <a:r>
+              <a:rPr lang="en" sz="800">
+                <a:solidFill>
+                  <a:schemeClr val="accent5"/>
+                </a:solidFill>
+              </a:rPr>
+              <a:t>YOLOv5m</a:t>
+            </a:r>
+            <a:r>
               <a:rPr lang="en" sz="800"/>
-              <a:t>YOLOv5m mejora significativamente el Recall en la Clase 2 (+14.2%), lo que indica que detecta más instancias de objetos difíciles (posiblemente pequeños u ocluidos).</a:t>
+              <a:t> mejora significativamente el Recall en la Clase 2 (+14.2%), lo que indica que detecta más instancias de objetos difíciles (posiblemente pequeños u ocluidos).</a:t>
             </a:r>
             <a:endParaRPr sz="800"/>
           </a:p>
@@ -12398,7 +12152,19 @@
             </a:pPr>
             <a:r>
               <a:rPr lang="en" sz="1200"/>
-              <a:t>Clase 3 (Mejor precisión con YOLOv5m)</a:t>
+              <a:t>Clase 3 (Mejor precisión con </a:t>
+            </a:r>
+            <a:r>
+              <a:rPr lang="en" sz="1200">
+                <a:solidFill>
+                  <a:schemeClr val="accent5"/>
+                </a:solidFill>
+              </a:rPr>
+              <a:t>YOLOv5m</a:t>
+            </a:r>
+            <a:r>
+              <a:rPr lang="en" sz="1200"/>
+              <a:t>)</a:t>
             </a:r>
             <a:endParaRPr sz="1200"/>
           </a:p>
@@ -12414,8 +12180,16 @@
               <a:buChar char="○"/>
             </a:pPr>
             <a:r>
+              <a:rPr lang="en" sz="800">
+                <a:solidFill>
+                  <a:schemeClr val="accent5"/>
+                </a:solidFill>
+              </a:rPr>
+              <a:t>YOLOv5m</a:t>
+            </a:r>
+            <a:r>
               <a:rPr lang="en" sz="800"/>
-              <a:t>YOLOv5m logra +4.4% en Precisión, reduciendo falsos positivos, pero con un Recall ligeramente menor (-1.5%).</a:t>
+              <a:t> logra +4.4% en Precisión, reduciendo falsos positivos, pero con un Recall ligeramente menor (-1.5%).</a:t>
             </a:r>
             <a:endParaRPr sz="800"/>
           </a:p>
@@ -12449,7 +12223,19 @@
             </a:pPr>
             <a:r>
               <a:rPr lang="en" sz="800"/>
-              <a:t>Ambos modelos tienen resultados muy cercanos, con YOLOv5s siendo marginalmente mejor en mAP50 (-0.9%).</a:t>
+              <a:t>Ambos modelos tienen resultados muy cercanos, con </a:t>
+            </a:r>
+            <a:r>
+              <a:rPr lang="en" sz="800">
+                <a:solidFill>
+                  <a:schemeClr val="accent5"/>
+                </a:solidFill>
+              </a:rPr>
+              <a:t>YOLOv5s</a:t>
+            </a:r>
+            <a:r>
+              <a:rPr lang="en" sz="800"/>
+              <a:t> siendo marginalmente mejor en mAP50 (-0.9%).</a:t>
             </a:r>
             <a:endParaRPr sz="800"/>
           </a:p>
@@ -12464,8 +12250,36 @@
               <a:buNone/>
             </a:pPr>
             <a:r>
+              <a:rPr b="1" lang="en" sz="1200"/>
+              <a:t>Conclusión</a:t>
+            </a:r>
+            <a:r>
               <a:rPr lang="en" sz="1200"/>
-              <a:t>Conclusión: YOLOv5m ofrece mejoras en clases con mayor complejidad (ej. Clase 2, con +14.2% Recall), pero en clases ya bien detectadas (ej. Clase 0), YOLOv5s es suficiente.</a:t>
+              <a:t>: </a:t>
+            </a:r>
+            <a:r>
+              <a:rPr b="1" lang="en" sz="1200">
+                <a:solidFill>
+                  <a:schemeClr val="accent5"/>
+                </a:solidFill>
+              </a:rPr>
+              <a:t>YOLOv5m</a:t>
+            </a:r>
+            <a:r>
+              <a:rPr lang="en" sz="1200"/>
+              <a:t> ofrece mejoras en clases con mayor complejidad (ej. Clase 2, con +14.2% Recall), pero en clases ya bien detectadas (ej. Clase 0), </a:t>
+            </a:r>
+            <a:r>
+              <a:rPr b="1" lang="en" sz="1200">
+                <a:solidFill>
+                  <a:schemeClr val="accent5"/>
+                </a:solidFill>
+              </a:rPr>
+              <a:t>YOLOv5s</a:t>
+            </a:r>
+            <a:r>
+              <a:rPr lang="en" sz="1200"/>
+              <a:t> es suficiente.</a:t>
             </a:r>
             <a:endParaRPr sz="1200"/>
           </a:p>
@@ -12484,7 +12298,7 @@
   <p:cSld>
     <p:spTree>
       <p:nvGrpSpPr>
-        <p:cNvPr id="174" name="Shape 174"/>
+        <p:cNvPr id="173" name="Shape 173"/>
         <p:cNvGrpSpPr/>
         <p:nvPr/>
       </p:nvGrpSpPr>
@@ -12498,7 +12312,7 @@
       </p:grpSpPr>
       <p:sp>
         <p:nvSpPr>
-          <p:cNvPr id="175" name="Google Shape;175;p33"/>
+          <p:cNvPr id="174" name="Google Shape;174;p33"/>
           <p:cNvSpPr txBox="1"/>
           <p:nvPr>
             <p:ph type="title"/>
@@ -12588,7 +12402,7 @@
       </p:sp>
       <p:sp>
         <p:nvSpPr>
-          <p:cNvPr id="176" name="Google Shape;176;p33"/>
+          <p:cNvPr id="175" name="Google Shape;175;p33"/>
           <p:cNvSpPr txBox="1"/>
           <p:nvPr>
             <p:ph idx="1" type="body"/>
@@ -12623,129 +12437,209 @@
               <a:buNone/>
             </a:pPr>
             <a:r>
-              <a:rPr lang="en" sz="1100"/>
-              <a:t>2. YOLOv5m vs. YOLOv5l</a:t>
-            </a:r>
-            <a:endParaRPr sz="1100"/>
-          </a:p>
-          <a:p>
-            <a:pPr indent="-298450" lvl="0" marL="457200" rtl="0" algn="l">
+              <a:rPr lang="en" sz="1200"/>
+              <a:t>2. </a:t>
+            </a:r>
+            <a:r>
+              <a:rPr b="1" lang="en" sz="1200">
+                <a:solidFill>
+                  <a:schemeClr val="accent5"/>
+                </a:solidFill>
+              </a:rPr>
+              <a:t>YOLOv5m</a:t>
+            </a:r>
+            <a:r>
+              <a:rPr lang="en" sz="1200"/>
+              <a:t> vs. </a:t>
+            </a:r>
+            <a:r>
+              <a:rPr b="1" lang="en" sz="1200">
+                <a:solidFill>
+                  <a:schemeClr val="accent5"/>
+                </a:solidFill>
+              </a:rPr>
+              <a:t>YOLOv5l</a:t>
+            </a:r>
+            <a:endParaRPr b="1" sz="1200">
+              <a:solidFill>
+                <a:schemeClr val="accent5"/>
+              </a:solidFill>
+            </a:endParaRPr>
+          </a:p>
+          <a:p>
+            <a:pPr indent="-304800" lvl="0" marL="457200" rtl="0" algn="l">
               <a:spcBef>
                 <a:spcPts val="1200"/>
               </a:spcBef>
               <a:spcAft>
                 <a:spcPts val="0"/>
               </a:spcAft>
-              <a:buSzPts val="1100"/>
+              <a:buSzPts val="1200"/>
               <a:buChar char="●"/>
             </a:pPr>
             <a:r>
-              <a:rPr lang="en" sz="1100"/>
+              <a:rPr lang="en" sz="1200"/>
               <a:t>Mejora general en mAP50-95 (+2.1%)</a:t>
             </a:r>
-            <a:endParaRPr sz="1100"/>
-          </a:p>
-          <a:p>
-            <a:pPr indent="-298450" lvl="1" marL="914400" rtl="0" algn="l">
-              <a:spcBef>
-                <a:spcPts val="0"/>
-              </a:spcBef>
-              <a:spcAft>
-                <a:spcPts val="0"/>
-              </a:spcAft>
-              <a:buSzPts val="1100"/>
+            <a:endParaRPr sz="1200"/>
+          </a:p>
+          <a:p>
+            <a:pPr indent="-304800" lvl="1" marL="914400" rtl="0" algn="l">
+              <a:spcBef>
+                <a:spcPts val="0"/>
+              </a:spcBef>
+              <a:spcAft>
+                <a:spcPts val="0"/>
+              </a:spcAft>
+              <a:buSzPts val="1200"/>
               <a:buChar char="○"/>
             </a:pPr>
             <a:r>
-              <a:rPr lang="en" sz="1100"/>
-              <a:t>YOLOv5l supera a YOLOv5m en mAP50-95, lo que indica un mejor desempeño en detecciones con un IoU más estricto (requiere mayor precisión en la localización).</a:t>
-            </a:r>
-            <a:endParaRPr sz="1100"/>
-          </a:p>
-          <a:p>
-            <a:pPr indent="-298450" lvl="0" marL="457200" rtl="0" algn="l">
-              <a:spcBef>
-                <a:spcPts val="0"/>
-              </a:spcBef>
-              <a:spcAft>
-                <a:spcPts val="0"/>
-              </a:spcAft>
-              <a:buSzPts val="1100"/>
+              <a:rPr lang="en" sz="1200">
+                <a:solidFill>
+                  <a:schemeClr val="accent5"/>
+                </a:solidFill>
+              </a:rPr>
+              <a:t>YOLOv5l</a:t>
+            </a:r>
+            <a:r>
+              <a:rPr lang="en" sz="1200"/>
+              <a:t> supera a </a:t>
+            </a:r>
+            <a:r>
+              <a:rPr lang="en" sz="1200">
+                <a:solidFill>
+                  <a:schemeClr val="accent5"/>
+                </a:solidFill>
+              </a:rPr>
+              <a:t>YOLOv5m</a:t>
+            </a:r>
+            <a:r>
+              <a:rPr lang="en" sz="1200"/>
+              <a:t> en mAP50-95, lo que indica un mejor desempeño en detecciones con un IoU más estricto (requiere mayor precisión en la localización).</a:t>
+            </a:r>
+            <a:endParaRPr sz="1200"/>
+          </a:p>
+          <a:p>
+            <a:pPr indent="-304800" lvl="0" marL="457200" rtl="0" algn="l">
+              <a:spcBef>
+                <a:spcPts val="0"/>
+              </a:spcBef>
+              <a:spcAft>
+                <a:spcPts val="0"/>
+              </a:spcAft>
+              <a:buSzPts val="1200"/>
               <a:buChar char="●"/>
             </a:pPr>
             <a:r>
-              <a:rPr lang="en" sz="1100"/>
+              <a:rPr lang="en" sz="1200"/>
               <a:t>Clases con mayor mejora:</a:t>
             </a:r>
-            <a:endParaRPr sz="1100"/>
-          </a:p>
-          <a:p>
-            <a:pPr indent="-298450" lvl="1" marL="914400" rtl="0" algn="l">
-              <a:spcBef>
-                <a:spcPts val="0"/>
-              </a:spcBef>
-              <a:spcAft>
-                <a:spcPts val="0"/>
-              </a:spcAft>
-              <a:buSzPts val="1100"/>
+            <a:endParaRPr sz="1200"/>
+          </a:p>
+          <a:p>
+            <a:pPr indent="-304800" lvl="1" marL="914400" rtl="0" algn="l">
+              <a:spcBef>
+                <a:spcPts val="0"/>
+              </a:spcBef>
+              <a:spcAft>
+                <a:spcPts val="0"/>
+              </a:spcAft>
+              <a:buSzPts val="1200"/>
               <a:buChar char="○"/>
             </a:pPr>
             <a:r>
-              <a:rPr lang="en" sz="1100"/>
-              <a:t>Clase 2 (+2.2% mAP50): YOLOv5l refina la detección de la clase más desafiante.</a:t>
-            </a:r>
-            <a:endParaRPr sz="1100"/>
-          </a:p>
-          <a:p>
-            <a:pPr indent="-298450" lvl="1" marL="914400" rtl="0" algn="l">
-              <a:spcBef>
-                <a:spcPts val="0"/>
-              </a:spcBef>
-              <a:spcAft>
-                <a:spcPts val="0"/>
-              </a:spcAft>
-              <a:buSzPts val="1100"/>
+              <a:rPr lang="en" sz="1200"/>
+              <a:t>Clase 2 (+2.2% mAP50): </a:t>
+            </a:r>
+            <a:r>
+              <a:rPr lang="en" sz="1200">
+                <a:solidFill>
+                  <a:schemeClr val="accent5"/>
+                </a:solidFill>
+              </a:rPr>
+              <a:t>YOLOv5l</a:t>
+            </a:r>
+            <a:r>
+              <a:rPr lang="en" sz="1200"/>
+              <a:t> refina la detección de la clase más desafiante.</a:t>
+            </a:r>
+            <a:endParaRPr sz="1200"/>
+          </a:p>
+          <a:p>
+            <a:pPr indent="-304800" lvl="1" marL="914400" rtl="0" algn="l">
+              <a:spcBef>
+                <a:spcPts val="0"/>
+              </a:spcBef>
+              <a:spcAft>
+                <a:spcPts val="0"/>
+              </a:spcAft>
+              <a:buSzPts val="1200"/>
               <a:buChar char="○"/>
             </a:pPr>
             <a:r>
-              <a:rPr lang="en" sz="1100"/>
+              <a:rPr lang="en" sz="1200"/>
               <a:t>Clase 3 (+1.8% mAP50): Mejora consistente en detección y precisión.</a:t>
             </a:r>
-            <a:endParaRPr sz="1100"/>
-          </a:p>
-          <a:p>
-            <a:pPr indent="-298450" lvl="0" marL="457200" rtl="0" algn="l">
-              <a:spcBef>
-                <a:spcPts val="0"/>
-              </a:spcBef>
-              <a:spcAft>
-                <a:spcPts val="0"/>
-              </a:spcAft>
-              <a:buSzPts val="1100"/>
+            <a:endParaRPr sz="1200"/>
+          </a:p>
+          <a:p>
+            <a:pPr indent="-304800" lvl="0" marL="457200" rtl="0" algn="l">
+              <a:spcBef>
+                <a:spcPts val="0"/>
+              </a:spcBef>
+              <a:spcAft>
+                <a:spcPts val="0"/>
+              </a:spcAft>
+              <a:buSzPts val="1200"/>
               <a:buChar char="●"/>
             </a:pPr>
             <a:r>
-              <a:rPr lang="en" sz="1100"/>
+              <a:rPr lang="en" sz="1200"/>
               <a:t>Clase 1 (ligera disminución en mAP50, -0.5%)</a:t>
             </a:r>
-            <a:endParaRPr sz="1100"/>
-          </a:p>
-          <a:p>
-            <a:pPr indent="-298450" lvl="1" marL="914400" rtl="0" algn="l">
-              <a:spcBef>
-                <a:spcPts val="0"/>
-              </a:spcBef>
-              <a:spcAft>
-                <a:spcPts val="0"/>
-              </a:spcAft>
-              <a:buSzPts val="1100"/>
+            <a:endParaRPr sz="1200"/>
+          </a:p>
+          <a:p>
+            <a:pPr indent="-304800" lvl="1" marL="914400" rtl="0" algn="l">
+              <a:spcBef>
+                <a:spcPts val="0"/>
+              </a:spcBef>
+              <a:spcAft>
+                <a:spcPts val="0"/>
+              </a:spcAft>
+              <a:buSzPts val="1200"/>
               <a:buChar char="○"/>
             </a:pPr>
             <a:r>
-              <a:rPr lang="en" sz="1100"/>
-              <a:t>Aunque YOLOv5l tiene un Recall global más alto (+1.6%), en esta clase específica no hay una ventaja clara respecto a YOLOv5m.</a:t>
-            </a:r>
-            <a:endParaRPr sz="1100"/>
+              <a:rPr lang="en" sz="1200"/>
+              <a:t>Aunque </a:t>
+            </a:r>
+            <a:r>
+              <a:rPr lang="en" sz="1200">
+                <a:solidFill>
+                  <a:schemeClr val="accent5"/>
+                </a:solidFill>
+              </a:rPr>
+              <a:t>YOLOv5l</a:t>
+            </a:r>
+            <a:r>
+              <a:rPr lang="en" sz="1200"/>
+              <a:t> tiene un Recall global más alto (+1.6%), en esta clase específica no hay una ventaja clara respecto a </a:t>
+            </a:r>
+            <a:r>
+              <a:rPr lang="en" sz="1200">
+                <a:solidFill>
+                  <a:schemeClr val="accent5"/>
+                </a:solidFill>
+              </a:rPr>
+              <a:t>YOLOv5m</a:t>
+            </a:r>
+            <a:r>
+              <a:rPr lang="en" sz="1200"/>
+              <a:t>.</a:t>
+            </a:r>
+            <a:endParaRPr sz="1200"/>
           </a:p>
           <a:p>
             <a:pPr indent="0" lvl="0" marL="0" rtl="0" algn="l">
@@ -12758,10 +12652,26 @@
               <a:buNone/>
             </a:pPr>
             <a:r>
-              <a:rPr lang="en" sz="1100"/>
-              <a:t>Conclusión: YOLOv5l es mejor para tareas que requieren máxima precisión (mAP50-95), especialmente en clases difíciles (ej. Clase 2 y 3), pero con un costo computacional mayor.</a:t>
-            </a:r>
-            <a:endParaRPr sz="1100"/>
+              <a:rPr b="1" lang="en" sz="1200"/>
+              <a:t>Conclusión</a:t>
+            </a:r>
+            <a:r>
+              <a:rPr lang="en" sz="1200"/>
+              <a:t>: </a:t>
+            </a:r>
+            <a:r>
+              <a:rPr b="1" lang="en" sz="1200">
+                <a:solidFill>
+                  <a:schemeClr val="accent5"/>
+                </a:solidFill>
+              </a:rPr>
+              <a:t>YOLOv5l</a:t>
+            </a:r>
+            <a:r>
+              <a:rPr lang="en" sz="1200"/>
+              <a:t> es mejor para tareas que requieren máxima precisión (mAP50-95), especialmente en clases difíciles (ej. Clase 2 y 3), pero con un costo computacional mayor.</a:t>
+            </a:r>
+            <a:endParaRPr sz="1200"/>
           </a:p>
         </p:txBody>
       </p:sp>
@@ -12778,7 +12688,7 @@
   <p:cSld>
     <p:spTree>
       <p:nvGrpSpPr>
-        <p:cNvPr id="180" name="Shape 180"/>
+        <p:cNvPr id="179" name="Shape 179"/>
         <p:cNvGrpSpPr/>
         <p:nvPr/>
       </p:nvGrpSpPr>
@@ -12792,7 +12702,7 @@
       </p:grpSpPr>
       <p:sp>
         <p:nvSpPr>
-          <p:cNvPr id="181" name="Google Shape;181;p34"/>
+          <p:cNvPr id="180" name="Google Shape;180;p34"/>
           <p:cNvSpPr txBox="1"/>
           <p:nvPr>
             <p:ph type="title"/>
@@ -12873,7 +12783,7 @@
       </p:sp>
       <p:pic>
         <p:nvPicPr>
-          <p:cNvPr id="182" name="Google Shape;182;p34"/>
+          <p:cNvPr id="181" name="Google Shape;181;p34"/>
           <p:cNvPicPr preferRelativeResize="0"/>
           <p:nvPr/>
         </p:nvPicPr>
@@ -12919,7 +12829,7 @@
     </p:bg>
     <p:spTree>
       <p:nvGrpSpPr>
-        <p:cNvPr id="186" name="Shape 186"/>
+        <p:cNvPr id="185" name="Shape 185"/>
         <p:cNvGrpSpPr/>
         <p:nvPr/>
       </p:nvGrpSpPr>
@@ -12933,7 +12843,7 @@
       </p:grpSpPr>
       <p:sp>
         <p:nvSpPr>
-          <p:cNvPr id="187" name="Google Shape;187;p35"/>
+          <p:cNvPr id="186" name="Google Shape;186;p35"/>
           <p:cNvSpPr txBox="1"/>
           <p:nvPr/>
         </p:nvSpPr>
@@ -12994,7 +12904,7 @@
   <p:cSld>
     <p:spTree>
       <p:nvGrpSpPr>
-        <p:cNvPr id="191" name="Shape 191"/>
+        <p:cNvPr id="190" name="Shape 190"/>
         <p:cNvGrpSpPr/>
         <p:nvPr/>
       </p:nvGrpSpPr>
@@ -13008,7 +12918,7 @@
       </p:grpSpPr>
       <p:sp>
         <p:nvSpPr>
-          <p:cNvPr id="192" name="Google Shape;192;p36"/>
+          <p:cNvPr id="191" name="Google Shape;191;p36"/>
           <p:cNvSpPr txBox="1"/>
           <p:nvPr>
             <p:ph type="title"/>
@@ -13098,7 +13008,7 @@
       </p:sp>
       <p:sp>
         <p:nvSpPr>
-          <p:cNvPr id="193" name="Google Shape;193;p36"/>
+          <p:cNvPr id="192" name="Google Shape;192;p36"/>
           <p:cNvSpPr txBox="1"/>
           <p:nvPr>
             <p:ph idx="1" type="body"/>
@@ -13148,6 +13058,9 @@
             </a:r>
             <a:r>
               <a:rPr b="1" lang="en">
+                <a:solidFill>
+                  <a:schemeClr val="accent5"/>
+                </a:solidFill>
                 <a:latin typeface="Montserrat"/>
                 <a:ea typeface="Montserrat"/>
                 <a:cs typeface="Montserrat"/>
@@ -13166,6 +13079,9 @@
             </a:r>
             <a:r>
               <a:rPr b="1" lang="en">
+                <a:solidFill>
+                  <a:schemeClr val="accent5"/>
+                </a:solidFill>
                 <a:latin typeface="Montserrat"/>
                 <a:ea typeface="Montserrat"/>
                 <a:cs typeface="Montserrat"/>
@@ -13184,6 +13100,9 @@
             </a:r>
             <a:r>
               <a:rPr b="1" lang="en">
+                <a:solidFill>
+                  <a:schemeClr val="accent5"/>
+                </a:solidFill>
                 <a:latin typeface="Montserrat"/>
                 <a:ea typeface="Montserrat"/>
                 <a:cs typeface="Montserrat"/>
@@ -13192,6 +13111,9 @@
               <a:t>YOLO5l</a:t>
             </a:r>
             <a:endParaRPr b="1">
+              <a:solidFill>
+                <a:schemeClr val="accent5"/>
+              </a:solidFill>
               <a:latin typeface="Montserrat"/>
               <a:ea typeface="Montserrat"/>
               <a:cs typeface="Montserrat"/>
@@ -13374,7 +13296,7 @@
   <p:cSld>
     <p:spTree>
       <p:nvGrpSpPr>
-        <p:cNvPr id="197" name="Shape 197"/>
+        <p:cNvPr id="196" name="Shape 196"/>
         <p:cNvGrpSpPr/>
         <p:nvPr/>
       </p:nvGrpSpPr>
@@ -13388,7 +13310,7 @@
       </p:grpSpPr>
       <p:sp>
         <p:nvSpPr>
-          <p:cNvPr id="198" name="Google Shape;198;p37"/>
+          <p:cNvPr id="197" name="Google Shape;197;p37"/>
           <p:cNvSpPr txBox="1"/>
           <p:nvPr>
             <p:ph type="title"/>
@@ -13469,7 +13391,7 @@
       </p:sp>
       <p:sp>
         <p:nvSpPr>
-          <p:cNvPr id="199" name="Google Shape;199;p37"/>
+          <p:cNvPr id="198" name="Google Shape;198;p37"/>
           <p:cNvSpPr txBox="1"/>
           <p:nvPr>
             <p:ph idx="1" type="body"/>
@@ -13539,7 +13461,19 @@
             </a:pPr>
             <a:r>
               <a:rPr lang="en"/>
-              <a:t>La Clase 2 (antes con solo 600 imágenes) ahora tiene 2000, igual que las demás. Esto explica su mejora significativa en Recall y mAP50 vs. experimentos anteriores (ej: Recall subió de 55.1% → 62.4% en YOLOv5s).</a:t>
+              <a:t>La Clase 2 (antes con solo 600 imágenes) ahora tiene 2000, igual que las demás. Esto explica su mejora significativa en Recall y mAP50 vs. experimentos anteriores (ej: Recall subió de 55.1% → 62.4% en </a:t>
+            </a:r>
+            <a:r>
+              <a:rPr lang="en">
+                <a:solidFill>
+                  <a:schemeClr val="accent5"/>
+                </a:solidFill>
+              </a:rPr>
+              <a:t>YOLOv5s</a:t>
+            </a:r>
+            <a:r>
+              <a:rPr lang="en"/>
+              <a:t>).</a:t>
             </a:r>
             <a:endParaRPr/>
           </a:p>
@@ -13590,7 +13524,7 @@
   <p:cSld>
     <p:spTree>
       <p:nvGrpSpPr>
-        <p:cNvPr id="203" name="Shape 203"/>
+        <p:cNvPr id="202" name="Shape 202"/>
         <p:cNvGrpSpPr/>
         <p:nvPr/>
       </p:nvGrpSpPr>
@@ -13604,7 +13538,7 @@
       </p:grpSpPr>
       <p:sp>
         <p:nvSpPr>
-          <p:cNvPr id="204" name="Google Shape;204;p38"/>
+          <p:cNvPr id="203" name="Google Shape;203;p38"/>
           <p:cNvSpPr txBox="1"/>
           <p:nvPr>
             <p:ph type="title"/>
@@ -13685,7 +13619,7 @@
       </p:sp>
       <p:sp>
         <p:nvSpPr>
-          <p:cNvPr id="205" name="Google Shape;205;p38"/>
+          <p:cNvPr id="204" name="Google Shape;204;p38"/>
           <p:cNvSpPr txBox="1"/>
           <p:nvPr>
             <p:ph idx="1" type="body"/>
@@ -13726,28 +13660,7 @@
             </a:pPr>
             <a:r>
               <a:rPr lang="en" sz="1500"/>
-              <a:t>2. Comparación entre Modelos</a:t>
-            </a:r>
-            <a:endParaRPr sz="1500"/>
-          </a:p>
-          <a:p>
-            <a:pPr indent="0" lvl="0" marL="0" rtl="0" algn="l">
-              <a:spcBef>
-                <a:spcPts val="1200"/>
-              </a:spcBef>
-              <a:spcAft>
-                <a:spcPts val="0"/>
-              </a:spcAft>
-              <a:buClr>
-                <a:schemeClr val="dk1"/>
-              </a:buClr>
-              <a:buSzPts val="1100"/>
-              <a:buFont typeface="Arial"/>
-              <a:buNone/>
-            </a:pPr>
-            <a:r>
-              <a:rPr lang="en" sz="1500"/>
-              <a:t>Métricas Generales</a:t>
+              <a:t>2. Comparación entre Modelos - Métricas Generales</a:t>
             </a:r>
             <a:endParaRPr sz="1500"/>
           </a:p>
@@ -13764,7 +13677,19 @@
             </a:pPr>
             <a:r>
               <a:rPr lang="en" sz="1500"/>
-              <a:t>Precisión (P): Similar en los 3 modelos (~0.89), con YOLOv5l ligeramente mejor (0.896).</a:t>
+              <a:t>Precisión (P): Similar en los 3 modelos (~0.89), con </a:t>
+            </a:r>
+            <a:r>
+              <a:rPr lang="en" sz="1500">
+                <a:solidFill>
+                  <a:schemeClr val="accent5"/>
+                </a:solidFill>
+              </a:rPr>
+              <a:t>YOLOv5l</a:t>
+            </a:r>
+            <a:r>
+              <a:rPr lang="en" sz="1500"/>
+              <a:t> ligeramente mejor (0.896).</a:t>
             </a:r>
             <a:endParaRPr sz="1500"/>
           </a:p>
@@ -13781,7 +13706,43 @@
             </a:pPr>
             <a:r>
               <a:rPr lang="en" sz="1500"/>
-              <a:t>Recall (R): YOLOv5m lidera (0.875), seguido de YOLOv5l (0.863). YOLOv5s tiene el menor Recall (0.850), lo que indica que los modelos más grandes detectan más objetos.</a:t>
+              <a:t>Recall (R): </a:t>
+            </a:r>
+            <a:r>
+              <a:rPr lang="en" sz="1500">
+                <a:solidFill>
+                  <a:schemeClr val="accent5"/>
+                </a:solidFill>
+              </a:rPr>
+              <a:t>YOLOv5m</a:t>
+            </a:r>
+            <a:r>
+              <a:rPr lang="en" sz="1500"/>
+              <a:t> lidera (0.875), seguido de </a:t>
+            </a:r>
+            <a:r>
+              <a:rPr lang="en" sz="1500">
+                <a:solidFill>
+                  <a:schemeClr val="accent5"/>
+                </a:solidFill>
+              </a:rPr>
+              <a:t>YOLOv5l</a:t>
+            </a:r>
+            <a:r>
+              <a:rPr lang="en" sz="1500"/>
+              <a:t> (0.863). </a:t>
+            </a:r>
+            <a:r>
+              <a:rPr lang="en" sz="1500">
+                <a:solidFill>
+                  <a:schemeClr val="accent5"/>
+                </a:solidFill>
+              </a:rPr>
+              <a:t>YOLOv5s</a:t>
+            </a:r>
+            <a:r>
+              <a:rPr lang="en" sz="1500"/>
+              <a:t> tiene el menor Recall (0.850), lo que indica que los modelos más grandes detectan más objetos.</a:t>
             </a:r>
             <a:endParaRPr sz="1500"/>
           </a:p>
@@ -13798,7 +13759,43 @@
             </a:pPr>
             <a:r>
               <a:rPr lang="en" sz="1500"/>
-              <a:t>mAP@0.5: YOLOv5m es el mejor (0.891), pero YOLOv5l no lo supera (0.885). Esto sugiere que, para IoU=0.5, YOLOv5m es óptimo.</a:t>
+              <a:t>mAP@0.5: </a:t>
+            </a:r>
+            <a:r>
+              <a:rPr lang="en" sz="1500">
+                <a:solidFill>
+                  <a:schemeClr val="accent5"/>
+                </a:solidFill>
+              </a:rPr>
+              <a:t>YOLOv5m</a:t>
+            </a:r>
+            <a:r>
+              <a:rPr lang="en" sz="1500"/>
+              <a:t> es el mejor (0.891), pero </a:t>
+            </a:r>
+            <a:r>
+              <a:rPr lang="en" sz="1500">
+                <a:solidFill>
+                  <a:schemeClr val="accent5"/>
+                </a:solidFill>
+              </a:rPr>
+              <a:t>YOLOv5l</a:t>
+            </a:r>
+            <a:r>
+              <a:rPr lang="en" sz="1500"/>
+              <a:t> no lo supera (0.885). Esto sugiere que, para IoU=0.5, </a:t>
+            </a:r>
+            <a:r>
+              <a:rPr lang="en" sz="1500">
+                <a:solidFill>
+                  <a:schemeClr val="accent5"/>
+                </a:solidFill>
+              </a:rPr>
+              <a:t>YOLOv5m</a:t>
+            </a:r>
+            <a:r>
+              <a:rPr lang="en" sz="1500"/>
+              <a:t> es óptimo.</a:t>
             </a:r>
             <a:endParaRPr sz="1500"/>
           </a:p>
@@ -13815,7 +13812,43 @@
             </a:pPr>
             <a:r>
               <a:rPr lang="en" sz="1500"/>
-              <a:t>mAP@0.5:0.95: YOLOv5m y YOLOv5l son casi iguales (~0.39), superando a YOLOv5s (0.381). Esto refleja que modelos más grandes manejan mejor localizaciones precisas (IoU alto).</a:t>
+              <a:t>mAP@0.5:0.95: </a:t>
+            </a:r>
+            <a:r>
+              <a:rPr lang="en" sz="1500">
+                <a:solidFill>
+                  <a:schemeClr val="accent5"/>
+                </a:solidFill>
+              </a:rPr>
+              <a:t>YOLOv5m</a:t>
+            </a:r>
+            <a:r>
+              <a:rPr lang="en" sz="1500"/>
+              <a:t> y </a:t>
+            </a:r>
+            <a:r>
+              <a:rPr lang="en" sz="1500">
+                <a:solidFill>
+                  <a:schemeClr val="accent5"/>
+                </a:solidFill>
+              </a:rPr>
+              <a:t>YOLOv5l</a:t>
+            </a:r>
+            <a:r>
+              <a:rPr lang="en" sz="1500"/>
+              <a:t> son casi iguales (~0.39), superando a </a:t>
+            </a:r>
+            <a:r>
+              <a:rPr lang="en" sz="1500">
+                <a:solidFill>
+                  <a:schemeClr val="accent5"/>
+                </a:solidFill>
+              </a:rPr>
+              <a:t>YOLOv5s</a:t>
+            </a:r>
+            <a:r>
+              <a:rPr lang="en" sz="1500"/>
+              <a:t> (0.381). Esto refleja que modelos más grandes manejan mejor localizaciones precisas (IoU alto).</a:t>
             </a:r>
             <a:endParaRPr sz="1500"/>
           </a:p>
@@ -13849,7 +13882,7 @@
   <p:cSld>
     <p:spTree>
       <p:nvGrpSpPr>
-        <p:cNvPr id="209" name="Shape 209"/>
+        <p:cNvPr id="208" name="Shape 208"/>
         <p:cNvGrpSpPr/>
         <p:nvPr/>
       </p:nvGrpSpPr>
@@ -13863,7 +13896,7 @@
       </p:grpSpPr>
       <p:sp>
         <p:nvSpPr>
-          <p:cNvPr id="210" name="Google Shape;210;p39"/>
+          <p:cNvPr id="209" name="Google Shape;209;p39"/>
           <p:cNvSpPr txBox="1"/>
           <p:nvPr>
             <p:ph type="title"/>
@@ -13944,7 +13977,7 @@
       </p:sp>
       <p:sp>
         <p:nvSpPr>
-          <p:cNvPr id="211" name="Google Shape;211;p39"/>
+          <p:cNvPr id="210" name="Google Shape;210;p39"/>
           <p:cNvSpPr txBox="1"/>
           <p:nvPr>
             <p:ph idx="1" type="body"/>
@@ -14019,7 +14052,19 @@
             </a:pPr>
             <a:r>
               <a:rPr lang="en" sz="1100"/>
-              <a:t>Todos los modelos superan mAP50 &gt; 98%. YOLOv5m destaca en mAP50-95 (0.522), mostrando robustez en precisión espacial.</a:t>
+              <a:t>Todos los modelos superan mAP50 &gt; 98%. </a:t>
+            </a:r>
+            <a:r>
+              <a:rPr lang="en" sz="1100">
+                <a:solidFill>
+                  <a:schemeClr val="accent5"/>
+                </a:solidFill>
+              </a:rPr>
+              <a:t>YOLOv5m</a:t>
+            </a:r>
+            <a:r>
+              <a:rPr lang="en" sz="1100"/>
+              <a:t> destaca en mAP50-95 (0.522), mostrando robustez en precisión espacial.</a:t>
             </a:r>
             <a:endParaRPr sz="1100"/>
           </a:p>
@@ -14052,8 +14097,16 @@
               <a:buChar char="○"/>
             </a:pPr>
             <a:r>
+              <a:rPr lang="en" sz="1100">
+                <a:solidFill>
+                  <a:schemeClr val="accent5"/>
+                </a:solidFill>
+              </a:rPr>
+              <a:t>YOLOv5l</a:t>
+            </a:r>
+            <a:r>
               <a:rPr lang="en" sz="1100"/>
-              <a:t>YOLOv5l logra el mayor mAP50 (0.937) y mAP50-95 (0.401), indicando que aprovecha mejor los datos adicionales.</a:t>
+              <a:t> logra el mayor mAP50 (0.937) y mAP50-95 (0.401), indicando que aprovecha mejor los datos adicionales.</a:t>
             </a:r>
             <a:endParaRPr sz="1100"/>
           </a:p>
@@ -14070,7 +14123,7 @@
             </a:pPr>
             <a:r>
               <a:rPr lang="en" sz="1500"/>
-              <a:t>Clase 2 (Más crítica):</a:t>
+              <a:t>Clase 2 (Menor performance):</a:t>
             </a:r>
             <a:endParaRPr sz="1500"/>
           </a:p>
@@ -14086,8 +14139,28 @@
               <a:buChar char="○"/>
             </a:pPr>
             <a:r>
+              <a:rPr lang="en" sz="1100">
+                <a:solidFill>
+                  <a:schemeClr val="accent5"/>
+                </a:solidFill>
+              </a:rPr>
+              <a:t>YOLOv5m</a:t>
+            </a:r>
+            <a:r>
               <a:rPr lang="en" sz="1100"/>
-              <a:t>YOLOv5m tiene el mejor Recall (69.3%) y mAP50 (0.749), pero YOLOv5l no mejora significativamente. Esto sugiere que, para esta clase, aumentar más datos o ajustar el modelo (ej: anclas) podría ser necesario.</a:t>
+              <a:t> tiene el mejor Recall (69.3%) y mAP50 (0.749), pero </a:t>
+            </a:r>
+            <a:r>
+              <a:rPr lang="en" sz="1100">
+                <a:solidFill>
+                  <a:schemeClr val="accent5"/>
+                </a:solidFill>
+              </a:rPr>
+              <a:t>YOLOv5l</a:t>
+            </a:r>
+            <a:r>
+              <a:rPr lang="en" sz="1100"/>
+              <a:t> no mejora significativamente. Esto sugiere que, para esta clase, aumentar más datos o ajustar el modelo (e.j: cambiar hiper-parametros) podría ser necesario.</a:t>
             </a:r>
             <a:endParaRPr sz="1100"/>
           </a:p>
@@ -14154,8 +14227,40 @@
               <a:buChar char="○"/>
             </a:pPr>
             <a:r>
+              <a:rPr lang="en" sz="1100">
+                <a:solidFill>
+                  <a:schemeClr val="accent5"/>
+                </a:solidFill>
+              </a:rPr>
+              <a:t>YOLOv5s</a:t>
+            </a:r>
+            <a:r>
               <a:rPr lang="en" sz="1100"/>
-              <a:t>YOLOv5s y YOLOv5m son similares (mAP50 ~0.95), pero YOLOv5l empeora ligeramente (0.935). Podría deberse a sobreajuste o desbalanceo residual.</a:t>
+              <a:t> y </a:t>
+            </a:r>
+            <a:r>
+              <a:rPr lang="en" sz="1100">
+                <a:solidFill>
+                  <a:schemeClr val="accent5"/>
+                </a:solidFill>
+              </a:rPr>
+              <a:t>YOLOv5m</a:t>
+            </a:r>
+            <a:r>
+              <a:rPr lang="en" sz="1100"/>
+              <a:t> son similares (mAP50 ~0.95), pero </a:t>
+            </a:r>
+            <a:r>
+              <a:rPr lang="en" sz="1100">
+                <a:solidFill>
+                  <a:schemeClr val="accent5"/>
+                </a:solidFill>
+              </a:rPr>
+              <a:t>YOLOv5l</a:t>
+            </a:r>
+            <a:r>
+              <a:rPr lang="en" sz="1100"/>
+              <a:t> empeora ligeramente (0.935). Podría deberse a sobreajuste o desbalanceo residual.</a:t>
             </a:r>
             <a:endParaRPr sz="1100"/>
           </a:p>
@@ -14189,7 +14294,7 @@
   <p:cSld>
     <p:spTree>
       <p:nvGrpSpPr>
-        <p:cNvPr id="215" name="Shape 215"/>
+        <p:cNvPr id="214" name="Shape 214"/>
         <p:cNvGrpSpPr/>
         <p:nvPr/>
       </p:nvGrpSpPr>
@@ -14203,7 +14308,7 @@
       </p:grpSpPr>
       <p:sp>
         <p:nvSpPr>
-          <p:cNvPr id="216" name="Google Shape;216;p40"/>
+          <p:cNvPr id="215" name="Google Shape;215;p40"/>
           <p:cNvSpPr txBox="1"/>
           <p:nvPr>
             <p:ph type="title"/>
@@ -14257,7 +14362,7 @@
       </p:sp>
       <p:pic>
         <p:nvPicPr>
-          <p:cNvPr id="217" name="Google Shape;217;p40"/>
+          <p:cNvPr id="216" name="Google Shape;216;p40"/>
           <p:cNvPicPr preferRelativeResize="0"/>
           <p:nvPr/>
         </p:nvPicPr>
@@ -14296,7 +14401,7 @@
   <p:cSld>
     <p:spTree>
       <p:nvGrpSpPr>
-        <p:cNvPr id="221" name="Shape 221"/>
+        <p:cNvPr id="220" name="Shape 220"/>
         <p:cNvGrpSpPr/>
         <p:nvPr/>
       </p:nvGrpSpPr>
@@ -14310,7 +14415,7 @@
       </p:grpSpPr>
       <p:sp>
         <p:nvSpPr>
-          <p:cNvPr id="222" name="Google Shape;222;p41"/>
+          <p:cNvPr id="221" name="Google Shape;221;p41"/>
           <p:cNvSpPr txBox="1"/>
           <p:nvPr>
             <p:ph type="title"/>
@@ -14391,7 +14496,7 @@
       </p:sp>
       <p:sp>
         <p:nvSpPr>
-          <p:cNvPr id="223" name="Google Shape;223;p41"/>
+          <p:cNvPr id="222" name="Google Shape;222;p41"/>
           <p:cNvSpPr txBox="1"/>
           <p:nvPr>
             <p:ph idx="1" type="body"/>
@@ -14453,7 +14558,15 @@
             </a:r>
             <a:r>
               <a:rPr lang="en" sz="1500"/>
-              <a:t>Para mejorarla deberiamos de seguir explorando otras tecnicas, pero por falta de tiempo no pudimos explorar.</a:t>
+              <a:t>Para mejorarla deberíamos de seguir explorando otras técnicas, pero</a:t>
+            </a:r>
+            <a:r>
+              <a:rPr b="1" lang="en" sz="1500"/>
+              <a:t> por falta de tiempo </a:t>
+            </a:r>
+            <a:r>
+              <a:rPr lang="en" sz="1500"/>
+              <a:t>no pudimos explorar.</a:t>
             </a:r>
             <a:endParaRPr sz="1100"/>
           </a:p>
@@ -14469,7 +14582,11 @@
               <a:buChar char="●"/>
             </a:pPr>
             <a:r>
-              <a:rPr b="1" lang="en" sz="1500"/>
+              <a:rPr b="1" lang="en" sz="1500">
+                <a:solidFill>
+                  <a:schemeClr val="accent5"/>
+                </a:solidFill>
+              </a:rPr>
               <a:t>YOLOv5m</a:t>
             </a:r>
             <a:r>
@@ -14477,7 +14594,11 @@
               <a:t> es el modelo más equilibrado: mejor Recall general y mAP50-95, sin el costo computacional de </a:t>
             </a:r>
             <a:r>
-              <a:rPr b="1" lang="en" sz="1500"/>
+              <a:rPr b="1" lang="en" sz="1500">
+                <a:solidFill>
+                  <a:schemeClr val="accent5"/>
+                </a:solidFill>
+              </a:rPr>
               <a:t>YOLOv5l</a:t>
             </a:r>
             <a:r>
@@ -14498,7 +14619,11 @@
               <a:buChar char="●"/>
             </a:pPr>
             <a:r>
-              <a:rPr b="1" lang="en" sz="1500"/>
+              <a:rPr b="1" lang="en" sz="1500">
+                <a:solidFill>
+                  <a:schemeClr val="accent5"/>
+                </a:solidFill>
+              </a:rPr>
               <a:t>YOLOv5l</a:t>
             </a:r>
             <a:r>
@@ -14519,7 +14644,11 @@
               <a:buChar char="●"/>
             </a:pPr>
             <a:r>
-              <a:rPr b="1" lang="en" sz="1500"/>
+              <a:rPr b="1" lang="en" sz="1500">
+                <a:solidFill>
+                  <a:schemeClr val="accent5"/>
+                </a:solidFill>
+              </a:rPr>
               <a:t>YOLOv5s</a:t>
             </a:r>
             <a:r>
@@ -14586,7 +14715,7 @@
         <p:spPr>
           <a:xfrm>
             <a:off x="844925" y="1671300"/>
-            <a:ext cx="4803900" cy="1800900"/>
+            <a:ext cx="4803900" cy="2124000"/>
           </a:xfrm>
           <a:prstGeom prst="rect">
             <a:avLst/>
@@ -14678,6 +14807,34 @@
                 </a:solidFill>
               </a:rPr>
               <a:t>Baseline</a:t>
+            </a:r>
+            <a:endParaRPr b="1" sz="2100">
+              <a:solidFill>
+                <a:srgbClr val="F8FAFF"/>
+              </a:solidFill>
+            </a:endParaRPr>
+          </a:p>
+          <a:p>
+            <a:pPr indent="-361950" lvl="0" marL="457200" rtl="0" algn="l">
+              <a:spcBef>
+                <a:spcPts val="0"/>
+              </a:spcBef>
+              <a:spcAft>
+                <a:spcPts val="0"/>
+              </a:spcAft>
+              <a:buClr>
+                <a:srgbClr val="F8FAFF"/>
+              </a:buClr>
+              <a:buSzPts val="2100"/>
+              <a:buChar char="●"/>
+            </a:pPr>
+            <a:r>
+              <a:rPr b="1" lang="en" sz="2100">
+                <a:solidFill>
+                  <a:srgbClr val="F8FAFF"/>
+                </a:solidFill>
+              </a:rPr>
+              <a:t>Data Augmentation</a:t>
             </a:r>
             <a:endParaRPr b="1" sz="2100">
               <a:solidFill>
@@ -14763,7 +14920,7 @@
     </p:bg>
     <p:spTree>
       <p:nvGrpSpPr>
-        <p:cNvPr id="227" name="Shape 227"/>
+        <p:cNvPr id="226" name="Shape 226"/>
         <p:cNvGrpSpPr/>
         <p:nvPr/>
       </p:nvGrpSpPr>
@@ -14777,7 +14934,7 @@
       </p:grpSpPr>
       <p:sp>
         <p:nvSpPr>
-          <p:cNvPr id="228" name="Google Shape;228;p42"/>
+          <p:cNvPr id="227" name="Google Shape;227;p42"/>
           <p:cNvSpPr txBox="1"/>
           <p:nvPr/>
         </p:nvSpPr>
@@ -14862,7 +15019,7 @@
   <p:cSld>
     <p:spTree>
       <p:nvGrpSpPr>
-        <p:cNvPr id="232" name="Shape 232"/>
+        <p:cNvPr id="231" name="Shape 231"/>
         <p:cNvGrpSpPr/>
         <p:nvPr/>
       </p:nvGrpSpPr>
@@ -14876,7 +15033,7 @@
       </p:grpSpPr>
       <p:sp>
         <p:nvSpPr>
-          <p:cNvPr id="233" name="Google Shape;233;p43"/>
+          <p:cNvPr id="232" name="Google Shape;232;p43"/>
           <p:cNvSpPr txBox="1"/>
           <p:nvPr>
             <p:ph type="title"/>
@@ -14957,7 +15114,7 @@
       </p:sp>
       <p:sp>
         <p:nvSpPr>
-          <p:cNvPr id="234" name="Google Shape;234;p43"/>
+          <p:cNvPr id="233" name="Google Shape;233;p43"/>
           <p:cNvSpPr txBox="1"/>
           <p:nvPr>
             <p:ph idx="1" type="body"/>
@@ -14982,19 +15139,19 @@
           </a:bodyPr>
           <a:lstStyle/>
           <a:p>
-            <a:pPr indent="-311150" lvl="0" marL="457200" rtl="0" algn="l">
-              <a:spcBef>
-                <a:spcPts val="0"/>
-              </a:spcBef>
-              <a:spcAft>
-                <a:spcPts val="0"/>
-              </a:spcAft>
-              <a:buSzPts val="1300"/>
+            <a:pPr indent="-304800" lvl="0" marL="457200" rtl="0" algn="l">
+              <a:spcBef>
+                <a:spcPts val="0"/>
+              </a:spcBef>
+              <a:spcAft>
+                <a:spcPts val="0"/>
+              </a:spcAft>
+              <a:buSzPts val="1200"/>
               <a:buFont typeface="Montserrat"/>
               <a:buChar char="●"/>
             </a:pPr>
             <a:r>
-              <a:rPr lang="en">
+              <a:rPr lang="en" sz="1700">
                 <a:latin typeface="Montserrat"/>
                 <a:ea typeface="Montserrat"/>
                 <a:cs typeface="Montserrat"/>
@@ -15003,7 +15160,10 @@
               <a:t>Este trabajo se buscó establecer un baseline realista con </a:t>
             </a:r>
             <a:r>
-              <a:rPr b="1" lang="en">
+              <a:rPr b="1" lang="en" sz="1700">
+                <a:solidFill>
+                  <a:schemeClr val="accent5"/>
+                </a:solidFill>
                 <a:latin typeface="Montserrat"/>
                 <a:ea typeface="Montserrat"/>
                 <a:cs typeface="Montserrat"/>
@@ -15012,7 +15172,7 @@
               <a:t>YOLOv5s</a:t>
             </a:r>
             <a:r>
-              <a:rPr lang="en">
+              <a:rPr lang="en" sz="1700">
                 <a:latin typeface="Montserrat"/>
                 <a:ea typeface="Montserrat"/>
                 <a:cs typeface="Montserrat"/>
@@ -15020,7 +15180,7 @@
               </a:rPr>
               <a:t>, priorizando velocidad sobre optimizaciones avanzadas. </a:t>
             </a:r>
-            <a:endParaRPr>
+            <a:endParaRPr sz="1700">
               <a:latin typeface="Montserrat"/>
               <a:ea typeface="Montserrat"/>
               <a:cs typeface="Montserrat"/>
@@ -15028,19 +15188,19 @@
             </a:endParaRPr>
           </a:p>
           <a:p>
-            <a:pPr indent="-311150" lvl="0" marL="457200" rtl="0" algn="l">
-              <a:spcBef>
-                <a:spcPts val="0"/>
-              </a:spcBef>
-              <a:spcAft>
-                <a:spcPts val="0"/>
-              </a:spcAft>
-              <a:buSzPts val="1300"/>
+            <a:pPr indent="-304800" lvl="0" marL="457200" rtl="0" algn="l">
+              <a:spcBef>
+                <a:spcPts val="0"/>
+              </a:spcBef>
+              <a:spcAft>
+                <a:spcPts val="0"/>
+              </a:spcAft>
+              <a:buSzPts val="1200"/>
               <a:buFont typeface="Montserrat"/>
               <a:buChar char="●"/>
             </a:pPr>
             <a:r>
-              <a:rPr lang="en">
+              <a:rPr lang="en" sz="1700">
                 <a:latin typeface="Montserrat"/>
                 <a:ea typeface="Montserrat"/>
                 <a:cs typeface="Montserrat"/>
@@ -15049,7 +15209,10 @@
               <a:t>Los resultados confirman que, efectivamente, escalar el modelo (utilizar </a:t>
             </a:r>
             <a:r>
-              <a:rPr b="1" lang="en">
+              <a:rPr b="1" lang="en" sz="1700">
+                <a:solidFill>
+                  <a:schemeClr val="accent5"/>
+                </a:solidFill>
                 <a:latin typeface="Montserrat"/>
                 <a:ea typeface="Montserrat"/>
                 <a:cs typeface="Montserrat"/>
@@ -15058,7 +15221,7 @@
               <a:t>YOLOv5m</a:t>
             </a:r>
             <a:r>
-              <a:rPr lang="en">
+              <a:rPr lang="en" sz="1700">
                 <a:latin typeface="Montserrat"/>
                 <a:ea typeface="Montserrat"/>
                 <a:cs typeface="Montserrat"/>
@@ -15067,7 +15230,10 @@
               <a:t> y </a:t>
             </a:r>
             <a:r>
-              <a:rPr b="1" lang="en">
+              <a:rPr b="1" lang="en" sz="1700">
+                <a:solidFill>
+                  <a:schemeClr val="accent5"/>
+                </a:solidFill>
                 <a:latin typeface="Montserrat"/>
                 <a:ea typeface="Montserrat"/>
                 <a:cs typeface="Montserrat"/>
@@ -15076,15 +15242,33 @@
               <a:t>YOLOv5l</a:t>
             </a:r>
             <a:r>
-              <a:rPr lang="en">
+              <a:rPr lang="en" sz="1700">
                 <a:latin typeface="Montserrat"/>
                 <a:ea typeface="Montserrat"/>
                 <a:cs typeface="Montserrat"/>
                 <a:sym typeface="Montserrat"/>
               </a:rPr>
-              <a:t>) no es suficiente para objetos pequeños, pero permitió cuantificar el trade-off entre costo y precisión. </a:t>
-            </a:r>
-            <a:endParaRPr>
+              <a:t>) </a:t>
+            </a:r>
+            <a:r>
+              <a:rPr b="1" lang="en" sz="1700">
+                <a:latin typeface="Montserrat"/>
+                <a:ea typeface="Montserrat"/>
+                <a:cs typeface="Montserrat"/>
+                <a:sym typeface="Montserrat"/>
+              </a:rPr>
+              <a:t>no</a:t>
+            </a:r>
+            <a:r>
+              <a:rPr lang="en" sz="1700">
+                <a:latin typeface="Montserrat"/>
+                <a:ea typeface="Montserrat"/>
+                <a:cs typeface="Montserrat"/>
+                <a:sym typeface="Montserrat"/>
+              </a:rPr>
+              <a:t> es suficiente para objetos pequeños, pero permitió cuantificar el trade-off entre costo y precisión. </a:t>
+            </a:r>
+            <a:endParaRPr sz="1700">
               <a:latin typeface="Montserrat"/>
               <a:ea typeface="Montserrat"/>
               <a:cs typeface="Montserrat"/>
@@ -15092,19 +15276,19 @@
             </a:endParaRPr>
           </a:p>
           <a:p>
-            <a:pPr indent="-265747" lvl="0" marL="457200" rtl="0" algn="l">
-              <a:spcBef>
-                <a:spcPts val="0"/>
-              </a:spcBef>
-              <a:spcAft>
-                <a:spcPts val="0"/>
-              </a:spcAft>
-              <a:buSzPts val="585"/>
+            <a:pPr indent="-259397" lvl="0" marL="457200" rtl="0" algn="l">
+              <a:spcBef>
+                <a:spcPts val="0"/>
+              </a:spcBef>
+              <a:spcAft>
+                <a:spcPts val="0"/>
+              </a:spcAft>
+              <a:buSzPts val="485"/>
               <a:buFont typeface="Montserrat"/>
               <a:buChar char="●"/>
             </a:pPr>
             <a:r>
-              <a:rPr lang="en">
+              <a:rPr lang="en" sz="1700">
                 <a:latin typeface="Montserrat"/>
                 <a:ea typeface="Montserrat"/>
                 <a:cs typeface="Montserrat"/>
@@ -15113,7 +15297,10 @@
               <a:t>De hecho, nuestros resultados muestran que </a:t>
             </a:r>
             <a:r>
-              <a:rPr b="1" lang="en">
+              <a:rPr b="1" lang="en" sz="1700">
+                <a:solidFill>
+                  <a:schemeClr val="accent5"/>
+                </a:solidFill>
                 <a:latin typeface="Montserrat"/>
                 <a:ea typeface="Montserrat"/>
                 <a:cs typeface="Montserrat"/>
@@ -15122,7 +15309,7 @@
               <a:t>YOLOv5l</a:t>
             </a:r>
             <a:r>
-              <a:rPr lang="en">
+              <a:rPr lang="en" sz="1700">
                 <a:latin typeface="Montserrat"/>
                 <a:ea typeface="Montserrat"/>
                 <a:cs typeface="Montserrat"/>
@@ -15131,7 +15318,10 @@
               <a:t> sólo mejoró un 2.2% en mAP50 para la clase 2 (objetos pequeños) versus </a:t>
             </a:r>
             <a:r>
-              <a:rPr b="1" lang="en">
+              <a:rPr b="1" lang="en" sz="1700">
+                <a:solidFill>
+                  <a:schemeClr val="accent5"/>
+                </a:solidFill>
                 <a:latin typeface="Montserrat"/>
                 <a:ea typeface="Montserrat"/>
                 <a:cs typeface="Montserrat"/>
@@ -15140,7 +15330,7 @@
               <a:t>YOLOv5m</a:t>
             </a:r>
             <a:r>
-              <a:rPr lang="en">
+              <a:rPr lang="en" sz="1700">
                 <a:latin typeface="Montserrat"/>
                 <a:ea typeface="Montserrat"/>
                 <a:cs typeface="Montserrat"/>
@@ -15148,7 +15338,7 @@
               </a:rPr>
               <a:t>, a costa de duplicar el tiempo de entrenamiento.</a:t>
             </a:r>
-            <a:endParaRPr>
+            <a:endParaRPr sz="1700">
               <a:latin typeface="Montserrat"/>
               <a:ea typeface="Montserrat"/>
               <a:cs typeface="Montserrat"/>
@@ -15156,6 +15346,55 @@
             </a:endParaRPr>
           </a:p>
           <a:p>
+            <a:pPr indent="-259397" lvl="0" marL="457200" rtl="0" algn="l">
+              <a:spcBef>
+                <a:spcPts val="0"/>
+              </a:spcBef>
+              <a:spcAft>
+                <a:spcPts val="0"/>
+              </a:spcAft>
+              <a:buSzPts val="485"/>
+              <a:buFont typeface="Montserrat"/>
+              <a:buChar char="●"/>
+            </a:pPr>
+            <a:r>
+              <a:rPr lang="en" sz="1700">
+                <a:latin typeface="Montserrat"/>
+                <a:ea typeface="Montserrat"/>
+                <a:cs typeface="Montserrat"/>
+                <a:sym typeface="Montserrat"/>
+              </a:rPr>
+              <a:t>Hubiese sido interesante probar con </a:t>
+            </a:r>
+            <a:r>
+              <a:rPr b="1" lang="en" sz="1700">
+                <a:solidFill>
+                  <a:schemeClr val="accent5"/>
+                </a:solidFill>
+                <a:latin typeface="Montserrat"/>
+                <a:ea typeface="Montserrat"/>
+                <a:cs typeface="Montserrat"/>
+                <a:sym typeface="Montserrat"/>
+              </a:rPr>
+              <a:t>Faster R-CNN</a:t>
+            </a:r>
+            <a:r>
+              <a:rPr lang="en" sz="1700">
+                <a:latin typeface="Montserrat"/>
+                <a:ea typeface="Montserrat"/>
+                <a:cs typeface="Montserrat"/>
+                <a:sym typeface="Montserrat"/>
+              </a:rPr>
+              <a:t> con FPN (Feature Pyramid Network)</a:t>
+            </a:r>
+            <a:endParaRPr sz="1700">
+              <a:latin typeface="Montserrat"/>
+              <a:ea typeface="Montserrat"/>
+              <a:cs typeface="Montserrat"/>
+              <a:sym typeface="Montserrat"/>
+            </a:endParaRPr>
+          </a:p>
+          <a:p>
             <a:pPr indent="0" lvl="0" marL="0" rtl="0" algn="l">
               <a:lnSpc>
                 <a:spcPct val="100000"/>
@@ -15172,7 +15411,7 @@
             <a:r>
               <a:t/>
             </a:r>
-            <a:endParaRPr b="1" sz="1485">
+            <a:endParaRPr b="1" sz="1385">
               <a:latin typeface="Montserrat"/>
               <a:ea typeface="Montserrat"/>
               <a:cs typeface="Montserrat"/>
@@ -17264,6 +17503,285 @@
 </file>
 
 <file path=ppt/theme/theme1.xml><?xml version="1.0" encoding="utf-8"?>
+<a:theme xmlns:a="http://schemas.openxmlformats.org/drawingml/2006/main" xmlns:r="http://schemas.openxmlformats.org/officeDocument/2006/relationships">
+  <a:themeElements>
+    <a:clrScheme name="Default">
+      <a:dk1>
+        <a:srgbClr val="000000"/>
+      </a:dk1>
+      <a:lt1>
+        <a:srgbClr val="FFFFFF"/>
+      </a:lt1>
+      <a:dk2>
+        <a:srgbClr val="158158"/>
+      </a:dk2>
+      <a:lt2>
+        <a:srgbClr val="F3F3F3"/>
+      </a:lt2>
+      <a:accent1>
+        <a:srgbClr val="058DC7"/>
+      </a:accent1>
+      <a:accent2>
+        <a:srgbClr val="50B432"/>
+      </a:accent2>
+      <a:accent3>
+        <a:srgbClr val="ED561B"/>
+      </a:accent3>
+      <a:accent4>
+        <a:srgbClr val="EDEF00"/>
+      </a:accent4>
+      <a:accent5>
+        <a:srgbClr val="24CBE5"/>
+      </a:accent5>
+      <a:accent6>
+        <a:srgbClr val="64E572"/>
+      </a:accent6>
+      <a:hlink>
+        <a:srgbClr val="2200CC"/>
+      </a:hlink>
+      <a:folHlink>
+        <a:srgbClr val="551A8B"/>
+      </a:folHlink>
+    </a:clrScheme>
+    <a:fontScheme name="Office">
+      <a:majorFont>
+        <a:latin typeface="Arial"/>
+        <a:ea typeface=""/>
+        <a:cs typeface=""/>
+        <a:font script="Jpan" typeface="ＭＳ Ｐゴシック"/>
+        <a:font script="Hang" typeface="맑은 고딕"/>
+        <a:font script="Hans" typeface="宋体"/>
+        <a:font script="Hant" typeface="新細明體"/>
+        <a:font script="Arab" typeface="Times New Roman"/>
+        <a:font script="Hebr" typeface="Times New Roman"/>
+        <a:font script="Thai" typeface="Angsana New"/>
+        <a:font script="Ethi" typeface="Nyala"/>
+        <a:font script="Beng" typeface="Vrinda"/>
+        <a:font script="Gujr" typeface="Shruti"/>
+        <a:font script="Khmr" typeface="MoolBoran"/>
+        <a:font script="Knda" typeface="Tunga"/>
+        <a:font script="Guru" typeface="Raavi"/>
+        <a:font script="Cans" typeface="Euphemia"/>
+        <a:font script="Cher" typeface="Plantagenet Cherokee"/>
+        <a:font script="Yiii" typeface="Microsoft Yi Baiti"/>
+        <a:font script="Tibt" typeface="Microsoft Himalaya"/>
+        <a:font script="Thaa" typeface="MV Boli"/>
+        <a:font script="Deva" typeface="Mangal"/>
+        <a:font script="Telu" typeface="Gautami"/>
+        <a:font script="Taml" typeface="Latha"/>
+        <a:font script="Syrc" typeface="Estrangelo Edessa"/>
+        <a:font script="Orya" typeface="Kalinga"/>
+        <a:font script="Mlym" typeface="Kartika"/>
+        <a:font script="Laoo" typeface="DokChampa"/>
+        <a:font script="Sinh" typeface="Iskoola Pota"/>
+        <a:font script="Mong" typeface="Mongolian Baiti"/>
+        <a:font script="Viet" typeface="Times New Roman"/>
+        <a:font script="Uigh" typeface="Microsoft Uighur"/>
+        <a:font script="Geor" typeface="Sylfaen"/>
+      </a:majorFont>
+      <a:minorFont>
+        <a:latin typeface="Arial"/>
+        <a:ea typeface=""/>
+        <a:cs typeface=""/>
+        <a:font script="Jpan" typeface="ＭＳ Ｐゴシック"/>
+        <a:font script="Hang" typeface="맑은 고딕"/>
+        <a:font script="Hans" typeface="宋体"/>
+        <a:font script="Hant" typeface="新細明體"/>
+        <a:font script="Arab" typeface="Arial"/>
+        <a:font script="Hebr" typeface="Arial"/>
+        <a:font script="Thai" typeface="Cordia New"/>
+        <a:font script="Ethi" typeface="Nyala"/>
+        <a:font script="Beng" typeface="Vrinda"/>
+        <a:font script="Gujr" typeface="Shruti"/>
+        <a:font script="Khmr" typeface="DaunPenh"/>
+        <a:font script="Knda" typeface="Tunga"/>
+        <a:font script="Guru" typeface="Raavi"/>
+        <a:font script="Cans" typeface="Euphemia"/>
+        <a:font script="Cher" typeface="Plantagenet Cherokee"/>
+        <a:font script="Yiii" typeface="Microsoft Yi Baiti"/>
+        <a:font script="Tibt" typeface="Microsoft Himalaya"/>
+        <a:font script="Thaa" typeface="MV Boli"/>
+        <a:font script="Deva" typeface="Mangal"/>
+        <a:font script="Telu" typeface="Gautami"/>
+        <a:font script="Taml" typeface="Latha"/>
+        <a:font script="Syrc" typeface="Estrangelo Edessa"/>
+        <a:font script="Orya" typeface="Kalinga"/>
+        <a:font script="Mlym" typeface="Kartika"/>
+        <a:font script="Laoo" typeface="DokChampa"/>
+        <a:font script="Sinh" typeface="Iskoola Pota"/>
+        <a:font script="Mong" typeface="Mongolian Baiti"/>
+        <a:font script="Viet" typeface="Arial"/>
+        <a:font script="Uigh" typeface="Microsoft Uighur"/>
+        <a:font script="Geor" typeface="Sylfaen"/>
+      </a:minorFont>
+    </a:fontScheme>
+    <a:fmtScheme name="Office">
+      <a:fillStyleLst>
+        <a:solidFill>
+          <a:schemeClr val="phClr"/>
+        </a:solidFill>
+        <a:gradFill rotWithShape="1">
+          <a:gsLst>
+            <a:gs pos="0">
+              <a:schemeClr val="phClr">
+                <a:tint val="50000"/>
+                <a:satMod val="300000"/>
+              </a:schemeClr>
+            </a:gs>
+            <a:gs pos="35000">
+              <a:schemeClr val="phClr">
+                <a:tint val="37000"/>
+                <a:satMod val="300000"/>
+              </a:schemeClr>
+            </a:gs>
+            <a:gs pos="100000">
+              <a:schemeClr val="phClr">
+                <a:tint val="15000"/>
+                <a:satMod val="350000"/>
+              </a:schemeClr>
+            </a:gs>
+          </a:gsLst>
+          <a:lin ang="16200000" scaled="1"/>
+        </a:gradFill>
+        <a:gradFill rotWithShape="1">
+          <a:gsLst>
+            <a:gs pos="0">
+              <a:schemeClr val="phClr">
+                <a:tint val="100000"/>
+                <a:shade val="100000"/>
+                <a:satMod val="130000"/>
+              </a:schemeClr>
+            </a:gs>
+            <a:gs pos="100000">
+              <a:schemeClr val="phClr">
+                <a:tint val="50000"/>
+                <a:shade val="100000"/>
+                <a:satMod val="350000"/>
+              </a:schemeClr>
+            </a:gs>
+          </a:gsLst>
+          <a:lin ang="16200000" scaled="0"/>
+        </a:gradFill>
+      </a:fillStyleLst>
+      <a:lnStyleLst>
+        <a:ln w="9525" cap="flat" cmpd="sng" algn="ctr">
+          <a:solidFill>
+            <a:schemeClr val="phClr">
+              <a:shade val="95000"/>
+              <a:satMod val="105000"/>
+            </a:schemeClr>
+          </a:solidFill>
+          <a:prstDash val="solid"/>
+        </a:ln>
+        <a:ln w="25400" cap="flat" cmpd="sng" algn="ctr">
+          <a:solidFill>
+            <a:schemeClr val="phClr"/>
+          </a:solidFill>
+          <a:prstDash val="solid"/>
+        </a:ln>
+        <a:ln w="38100" cap="flat" cmpd="sng" algn="ctr">
+          <a:solidFill>
+            <a:schemeClr val="phClr"/>
+          </a:solidFill>
+          <a:prstDash val="solid"/>
+        </a:ln>
+      </a:lnStyleLst>
+      <a:effectStyleLst>
+        <a:effectStyle>
+          <a:effectLst>
+            <a:outerShdw blurRad="40000" dist="20000" dir="5400000" rotWithShape="0">
+              <a:srgbClr val="000000">
+                <a:alpha val="38000"/>
+              </a:srgbClr>
+            </a:outerShdw>
+          </a:effectLst>
+        </a:effectStyle>
+        <a:effectStyle>
+          <a:effectLst>
+            <a:outerShdw blurRad="40000" dist="23000" dir="5400000" rotWithShape="0">
+              <a:srgbClr val="000000">
+                <a:alpha val="35000"/>
+              </a:srgbClr>
+            </a:outerShdw>
+          </a:effectLst>
+        </a:effectStyle>
+        <a:effectStyle>
+          <a:effectLst>
+            <a:outerShdw blurRad="40000" dist="23000" dir="5400000" rotWithShape="0">
+              <a:srgbClr val="000000">
+                <a:alpha val="35000"/>
+              </a:srgbClr>
+            </a:outerShdw>
+          </a:effectLst>
+          <a:scene3d>
+            <a:camera prst="orthographicFront">
+              <a:rot lat="0" lon="0" rev="0"/>
+            </a:camera>
+            <a:lightRig rig="threePt" dir="t">
+              <a:rot lat="0" lon="0" rev="1200000"/>
+            </a:lightRig>
+          </a:scene3d>
+          <a:sp3d>
+            <a:bevelT w="63500" h="25400"/>
+          </a:sp3d>
+        </a:effectStyle>
+      </a:effectStyleLst>
+      <a:bgFillStyleLst>
+        <a:solidFill>
+          <a:schemeClr val="phClr"/>
+        </a:solidFill>
+        <a:gradFill rotWithShape="1">
+          <a:gsLst>
+            <a:gs pos="0">
+              <a:schemeClr val="phClr">
+                <a:tint val="40000"/>
+                <a:satMod val="350000"/>
+              </a:schemeClr>
+            </a:gs>
+            <a:gs pos="40000">
+              <a:schemeClr val="phClr">
+                <a:tint val="45000"/>
+                <a:shade val="99000"/>
+                <a:satMod val="350000"/>
+              </a:schemeClr>
+            </a:gs>
+            <a:gs pos="100000">
+              <a:schemeClr val="phClr">
+                <a:shade val="20000"/>
+                <a:satMod val="255000"/>
+              </a:schemeClr>
+            </a:gs>
+          </a:gsLst>
+          <a:path path="circle">
+            <a:fillToRect l="50000" t="-80000" r="50000" b="180000"/>
+          </a:path>
+        </a:gradFill>
+        <a:gradFill rotWithShape="1">
+          <a:gsLst>
+            <a:gs pos="0">
+              <a:schemeClr val="phClr">
+                <a:tint val="80000"/>
+                <a:satMod val="300000"/>
+              </a:schemeClr>
+            </a:gs>
+            <a:gs pos="100000">
+              <a:schemeClr val="phClr">
+                <a:shade val="30000"/>
+                <a:satMod val="200000"/>
+              </a:schemeClr>
+            </a:gs>
+          </a:gsLst>
+          <a:path path="circle">
+            <a:fillToRect l="50000" t="50000" r="50000" b="50000"/>
+          </a:path>
+        </a:gradFill>
+      </a:bgFillStyleLst>
+    </a:fmtScheme>
+  </a:themeElements>
+</a:theme>
+</file>
+
+<file path=ppt/theme/theme2.xml><?xml version="1.0" encoding="utf-8"?>
 <a:theme xmlns:a="http://schemas.openxmlformats.org/drawingml/2006/main" xmlns:r="http://schemas.openxmlformats.org/officeDocument/2006/relationships" name="Simple Light">
   <a:themeElements>
     <a:clrScheme name="Simple Light">
@@ -17540,283 +18058,4 @@
     </a:fmtScheme>
   </a:themeElements>
 </a:theme>
-</file>
-
-<file path=ppt/theme/theme2.xml><?xml version="1.0" encoding="utf-8"?>
-<a:theme xmlns:a="http://schemas.openxmlformats.org/drawingml/2006/main" xmlns:r="http://schemas.openxmlformats.org/officeDocument/2006/relationships">
-  <a:themeElements>
-    <a:clrScheme name="Default">
-      <a:dk1>
-        <a:srgbClr val="000000"/>
-      </a:dk1>
-      <a:lt1>
-        <a:srgbClr val="FFFFFF"/>
-      </a:lt1>
-      <a:dk2>
-        <a:srgbClr val="158158"/>
-      </a:dk2>
-      <a:lt2>
-        <a:srgbClr val="F3F3F3"/>
-      </a:lt2>
-      <a:accent1>
-        <a:srgbClr val="058DC7"/>
-      </a:accent1>
-      <a:accent2>
-        <a:srgbClr val="50B432"/>
-      </a:accent2>
-      <a:accent3>
-        <a:srgbClr val="ED561B"/>
-      </a:accent3>
-      <a:accent4>
-        <a:srgbClr val="EDEF00"/>
-      </a:accent4>
-      <a:accent5>
-        <a:srgbClr val="24CBE5"/>
-      </a:accent5>
-      <a:accent6>
-        <a:srgbClr val="64E572"/>
-      </a:accent6>
-      <a:hlink>
-        <a:srgbClr val="2200CC"/>
-      </a:hlink>
-      <a:folHlink>
-        <a:srgbClr val="551A8B"/>
-      </a:folHlink>
-    </a:clrScheme>
-    <a:fontScheme name="Office">
-      <a:majorFont>
-        <a:latin typeface="Arial"/>
-        <a:ea typeface=""/>
-        <a:cs typeface=""/>
-        <a:font script="Jpan" typeface="ＭＳ Ｐゴシック"/>
-        <a:font script="Hang" typeface="맑은 고딕"/>
-        <a:font script="Hans" typeface="宋体"/>
-        <a:font script="Hant" typeface="新細明體"/>
-        <a:font script="Arab" typeface="Times New Roman"/>
-        <a:font script="Hebr" typeface="Times New Roman"/>
-        <a:font script="Thai" typeface="Angsana New"/>
-        <a:font script="Ethi" typeface="Nyala"/>
-        <a:font script="Beng" typeface="Vrinda"/>
-        <a:font script="Gujr" typeface="Shruti"/>
-        <a:font script="Khmr" typeface="MoolBoran"/>
-        <a:font script="Knda" typeface="Tunga"/>
-        <a:font script="Guru" typeface="Raavi"/>
-        <a:font script="Cans" typeface="Euphemia"/>
-        <a:font script="Cher" typeface="Plantagenet Cherokee"/>
-        <a:font script="Yiii" typeface="Microsoft Yi Baiti"/>
-        <a:font script="Tibt" typeface="Microsoft Himalaya"/>
-        <a:font script="Thaa" typeface="MV Boli"/>
-        <a:font script="Deva" typeface="Mangal"/>
-        <a:font script="Telu" typeface="Gautami"/>
-        <a:font script="Taml" typeface="Latha"/>
-        <a:font script="Syrc" typeface="Estrangelo Edessa"/>
-        <a:font script="Orya" typeface="Kalinga"/>
-        <a:font script="Mlym" typeface="Kartika"/>
-        <a:font script="Laoo" typeface="DokChampa"/>
-        <a:font script="Sinh" typeface="Iskoola Pota"/>
-        <a:font script="Mong" typeface="Mongolian Baiti"/>
-        <a:font script="Viet" typeface="Times New Roman"/>
-        <a:font script="Uigh" typeface="Microsoft Uighur"/>
-        <a:font script="Geor" typeface="Sylfaen"/>
-      </a:majorFont>
-      <a:minorFont>
-        <a:latin typeface="Arial"/>
-        <a:ea typeface=""/>
-        <a:cs typeface=""/>
-        <a:font script="Jpan" typeface="ＭＳ Ｐゴシック"/>
-        <a:font script="Hang" typeface="맑은 고딕"/>
-        <a:font script="Hans" typeface="宋体"/>
-        <a:font script="Hant" typeface="新細明體"/>
-        <a:font script="Arab" typeface="Arial"/>
-        <a:font script="Hebr" typeface="Arial"/>
-        <a:font script="Thai" typeface="Cordia New"/>
-        <a:font script="Ethi" typeface="Nyala"/>
-        <a:font script="Beng" typeface="Vrinda"/>
-        <a:font script="Gujr" typeface="Shruti"/>
-        <a:font script="Khmr" typeface="DaunPenh"/>
-        <a:font script="Knda" typeface="Tunga"/>
-        <a:font script="Guru" typeface="Raavi"/>
-        <a:font script="Cans" typeface="Euphemia"/>
-        <a:font script="Cher" typeface="Plantagenet Cherokee"/>
-        <a:font script="Yiii" typeface="Microsoft Yi Baiti"/>
-        <a:font script="Tibt" typeface="Microsoft Himalaya"/>
-        <a:font script="Thaa" typeface="MV Boli"/>
-        <a:font script="Deva" typeface="Mangal"/>
-        <a:font script="Telu" typeface="Gautami"/>
-        <a:font script="Taml" typeface="Latha"/>
-        <a:font script="Syrc" typeface="Estrangelo Edessa"/>
-        <a:font script="Orya" typeface="Kalinga"/>
-        <a:font script="Mlym" typeface="Kartika"/>
-        <a:font script="Laoo" typeface="DokChampa"/>
-        <a:font script="Sinh" typeface="Iskoola Pota"/>
-        <a:font script="Mong" typeface="Mongolian Baiti"/>
-        <a:font script="Viet" typeface="Arial"/>
-        <a:font script="Uigh" typeface="Microsoft Uighur"/>
-        <a:font script="Geor" typeface="Sylfaen"/>
-      </a:minorFont>
-    </a:fontScheme>
-    <a:fmtScheme name="Office">
-      <a:fillStyleLst>
-        <a:solidFill>
-          <a:schemeClr val="phClr"/>
-        </a:solidFill>
-        <a:gradFill rotWithShape="1">
-          <a:gsLst>
-            <a:gs pos="0">
-              <a:schemeClr val="phClr">
-                <a:tint val="50000"/>
-                <a:satMod val="300000"/>
-              </a:schemeClr>
-            </a:gs>
-            <a:gs pos="35000">
-              <a:schemeClr val="phClr">
-                <a:tint val="37000"/>
-                <a:satMod val="300000"/>
-              </a:schemeClr>
-            </a:gs>
-            <a:gs pos="100000">
-              <a:schemeClr val="phClr">
-                <a:tint val="15000"/>
-                <a:satMod val="350000"/>
-              </a:schemeClr>
-            </a:gs>
-          </a:gsLst>
-          <a:lin ang="16200000" scaled="1"/>
-        </a:gradFill>
-        <a:gradFill rotWithShape="1">
-          <a:gsLst>
-            <a:gs pos="0">
-              <a:schemeClr val="phClr">
-                <a:tint val="100000"/>
-                <a:shade val="100000"/>
-                <a:satMod val="130000"/>
-              </a:schemeClr>
-            </a:gs>
-            <a:gs pos="100000">
-              <a:schemeClr val="phClr">
-                <a:tint val="50000"/>
-                <a:shade val="100000"/>
-                <a:satMod val="350000"/>
-              </a:schemeClr>
-            </a:gs>
-          </a:gsLst>
-          <a:lin ang="16200000" scaled="0"/>
-        </a:gradFill>
-      </a:fillStyleLst>
-      <a:lnStyleLst>
-        <a:ln w="9525" cap="flat" cmpd="sng" algn="ctr">
-          <a:solidFill>
-            <a:schemeClr val="phClr">
-              <a:shade val="95000"/>
-              <a:satMod val="105000"/>
-            </a:schemeClr>
-          </a:solidFill>
-          <a:prstDash val="solid"/>
-        </a:ln>
-        <a:ln w="25400" cap="flat" cmpd="sng" algn="ctr">
-          <a:solidFill>
-            <a:schemeClr val="phClr"/>
-          </a:solidFill>
-          <a:prstDash val="solid"/>
-        </a:ln>
-        <a:ln w="38100" cap="flat" cmpd="sng" algn="ctr">
-          <a:solidFill>
-            <a:schemeClr val="phClr"/>
-          </a:solidFill>
-          <a:prstDash val="solid"/>
-        </a:ln>
-      </a:lnStyleLst>
-      <a:effectStyleLst>
-        <a:effectStyle>
-          <a:effectLst>
-            <a:outerShdw blurRad="40000" dist="20000" dir="5400000" rotWithShape="0">
-              <a:srgbClr val="000000">
-                <a:alpha val="38000"/>
-              </a:srgbClr>
-            </a:outerShdw>
-          </a:effectLst>
-        </a:effectStyle>
-        <a:effectStyle>
-          <a:effectLst>
-            <a:outerShdw blurRad="40000" dist="23000" dir="5400000" rotWithShape="0">
-              <a:srgbClr val="000000">
-                <a:alpha val="35000"/>
-              </a:srgbClr>
-            </a:outerShdw>
-          </a:effectLst>
-        </a:effectStyle>
-        <a:effectStyle>
-          <a:effectLst>
-            <a:outerShdw blurRad="40000" dist="23000" dir="5400000" rotWithShape="0">
-              <a:srgbClr val="000000">
-                <a:alpha val="35000"/>
-              </a:srgbClr>
-            </a:outerShdw>
-          </a:effectLst>
-          <a:scene3d>
-            <a:camera prst="orthographicFront">
-              <a:rot lat="0" lon="0" rev="0"/>
-            </a:camera>
-            <a:lightRig rig="threePt" dir="t">
-              <a:rot lat="0" lon="0" rev="1200000"/>
-            </a:lightRig>
-          </a:scene3d>
-          <a:sp3d>
-            <a:bevelT w="63500" h="25400"/>
-          </a:sp3d>
-        </a:effectStyle>
-      </a:effectStyleLst>
-      <a:bgFillStyleLst>
-        <a:solidFill>
-          <a:schemeClr val="phClr"/>
-        </a:solidFill>
-        <a:gradFill rotWithShape="1">
-          <a:gsLst>
-            <a:gs pos="0">
-              <a:schemeClr val="phClr">
-                <a:tint val="40000"/>
-                <a:satMod val="350000"/>
-              </a:schemeClr>
-            </a:gs>
-            <a:gs pos="40000">
-              <a:schemeClr val="phClr">
-                <a:tint val="45000"/>
-                <a:shade val="99000"/>
-                <a:satMod val="350000"/>
-              </a:schemeClr>
-            </a:gs>
-            <a:gs pos="100000">
-              <a:schemeClr val="phClr">
-                <a:shade val="20000"/>
-                <a:satMod val="255000"/>
-              </a:schemeClr>
-            </a:gs>
-          </a:gsLst>
-          <a:path path="circle">
-            <a:fillToRect l="50000" t="-80000" r="50000" b="180000"/>
-          </a:path>
-        </a:gradFill>
-        <a:gradFill rotWithShape="1">
-          <a:gsLst>
-            <a:gs pos="0">
-              <a:schemeClr val="phClr">
-                <a:tint val="80000"/>
-                <a:satMod val="300000"/>
-              </a:schemeClr>
-            </a:gs>
-            <a:gs pos="100000">
-              <a:schemeClr val="phClr">
-                <a:shade val="30000"/>
-                <a:satMod val="200000"/>
-              </a:schemeClr>
-            </a:gs>
-          </a:gsLst>
-          <a:path path="circle">
-            <a:fillToRect l="50000" t="50000" r="50000" b="50000"/>
-          </a:path>
-        </a:gradFill>
-      </a:bgFillStyleLst>
-    </a:fmtScheme>
-  </a:themeElements>
-</a:theme>
 </file>